--- a/prototype/prototype v2.pptx
+++ b/prototype/prototype v2.pptx
@@ -12,6 +12,7 @@
     <p:sldId id="262" r:id="rId6"/>
     <p:sldId id="263" r:id="rId7"/>
     <p:sldId id="264" r:id="rId8"/>
+    <p:sldId id="265" r:id="rId9"/>
   </p:sldIdLst>
   <p:sldSz cx="13860463" cy="7019925"/>
   <p:notesSz cx="6858000" cy="9144000"/>
@@ -249,7 +250,7 @@
           <a:p>
             <a:fld id="{335A01E9-5263-49B0-BF31-C9D0821B9F5E}" type="datetimeFigureOut">
               <a:rPr lang="en-NL" smtClean="0"/>
-              <a:t>02/01/2025</a:t>
+              <a:t>03/01/2025</a:t>
             </a:fld>
             <a:endParaRPr lang="en-NL"/>
           </a:p>
@@ -419,7 +420,7 @@
           <a:p>
             <a:fld id="{335A01E9-5263-49B0-BF31-C9D0821B9F5E}" type="datetimeFigureOut">
               <a:rPr lang="en-NL" smtClean="0"/>
-              <a:t>02/01/2025</a:t>
+              <a:t>03/01/2025</a:t>
             </a:fld>
             <a:endParaRPr lang="en-NL"/>
           </a:p>
@@ -599,7 +600,7 @@
           <a:p>
             <a:fld id="{335A01E9-5263-49B0-BF31-C9D0821B9F5E}" type="datetimeFigureOut">
               <a:rPr lang="en-NL" smtClean="0"/>
-              <a:t>02/01/2025</a:t>
+              <a:t>03/01/2025</a:t>
             </a:fld>
             <a:endParaRPr lang="en-NL"/>
           </a:p>
@@ -769,7 +770,7 @@
           <a:p>
             <a:fld id="{335A01E9-5263-49B0-BF31-C9D0821B9F5E}" type="datetimeFigureOut">
               <a:rPr lang="en-NL" smtClean="0"/>
-              <a:t>02/01/2025</a:t>
+              <a:t>03/01/2025</a:t>
             </a:fld>
             <a:endParaRPr lang="en-NL"/>
           </a:p>
@@ -1015,7 +1016,7 @@
           <a:p>
             <a:fld id="{335A01E9-5263-49B0-BF31-C9D0821B9F5E}" type="datetimeFigureOut">
               <a:rPr lang="en-NL" smtClean="0"/>
-              <a:t>02/01/2025</a:t>
+              <a:t>03/01/2025</a:t>
             </a:fld>
             <a:endParaRPr lang="en-NL"/>
           </a:p>
@@ -1247,7 +1248,7 @@
           <a:p>
             <a:fld id="{335A01E9-5263-49B0-BF31-C9D0821B9F5E}" type="datetimeFigureOut">
               <a:rPr lang="en-NL" smtClean="0"/>
-              <a:t>02/01/2025</a:t>
+              <a:t>03/01/2025</a:t>
             </a:fld>
             <a:endParaRPr lang="en-NL"/>
           </a:p>
@@ -1614,7 +1615,7 @@
           <a:p>
             <a:fld id="{335A01E9-5263-49B0-BF31-C9D0821B9F5E}" type="datetimeFigureOut">
               <a:rPr lang="en-NL" smtClean="0"/>
-              <a:t>02/01/2025</a:t>
+              <a:t>03/01/2025</a:t>
             </a:fld>
             <a:endParaRPr lang="en-NL"/>
           </a:p>
@@ -1732,7 +1733,7 @@
           <a:p>
             <a:fld id="{335A01E9-5263-49B0-BF31-C9D0821B9F5E}" type="datetimeFigureOut">
               <a:rPr lang="en-NL" smtClean="0"/>
-              <a:t>02/01/2025</a:t>
+              <a:t>03/01/2025</a:t>
             </a:fld>
             <a:endParaRPr lang="en-NL"/>
           </a:p>
@@ -1827,7 +1828,7 @@
           <a:p>
             <a:fld id="{335A01E9-5263-49B0-BF31-C9D0821B9F5E}" type="datetimeFigureOut">
               <a:rPr lang="en-NL" smtClean="0"/>
-              <a:t>02/01/2025</a:t>
+              <a:t>03/01/2025</a:t>
             </a:fld>
             <a:endParaRPr lang="en-NL"/>
           </a:p>
@@ -2104,7 +2105,7 @@
           <a:p>
             <a:fld id="{335A01E9-5263-49B0-BF31-C9D0821B9F5E}" type="datetimeFigureOut">
               <a:rPr lang="en-NL" smtClean="0"/>
-              <a:t>02/01/2025</a:t>
+              <a:t>03/01/2025</a:t>
             </a:fld>
             <a:endParaRPr lang="en-NL"/>
           </a:p>
@@ -2361,7 +2362,7 @@
           <a:p>
             <a:fld id="{335A01E9-5263-49B0-BF31-C9D0821B9F5E}" type="datetimeFigureOut">
               <a:rPr lang="en-NL" smtClean="0"/>
-              <a:t>02/01/2025</a:t>
+              <a:t>03/01/2025</a:t>
             </a:fld>
             <a:endParaRPr lang="en-NL"/>
           </a:p>
@@ -2574,7 +2575,7 @@
           <a:p>
             <a:fld id="{335A01E9-5263-49B0-BF31-C9D0821B9F5E}" type="datetimeFigureOut">
               <a:rPr lang="en-NL" smtClean="0"/>
-              <a:t>02/01/2025</a:t>
+              <a:t>03/01/2025</a:t>
             </a:fld>
             <a:endParaRPr lang="en-NL"/>
           </a:p>
@@ -20624,7 +20625,10 @@
     <p:bg>
       <p:bgPr>
         <a:solidFill>
-          <a:srgbClr val="1A2230"/>
+          <a:schemeClr val="tx1">
+            <a:lumMod val="75000"/>
+            <a:lumOff val="25000"/>
+          </a:schemeClr>
         </a:solidFill>
         <a:effectLst/>
       </p:bgPr>
@@ -20743,7 +20747,7 @@
         </p:blipFill>
         <p:spPr>
           <a:xfrm>
-            <a:off x="630231" y="-3086531"/>
+            <a:off x="804801" y="-5798915"/>
             <a:ext cx="12250860" cy="3086531"/>
           </a:xfrm>
           <a:prstGeom prst="rect">
@@ -20773,7 +20777,7 @@
         </p:blipFill>
         <p:spPr>
           <a:xfrm>
-            <a:off x="258090" y="7289962"/>
+            <a:off x="630231" y="-2612634"/>
             <a:ext cx="12403281" cy="2476846"/>
           </a:xfrm>
           <a:prstGeom prst="rect">
@@ -22134,10 +22138,10 @@
       </p:grpSp>
       <p:pic>
         <p:nvPicPr>
-          <p:cNvPr id="87" name="Picture 86">
-            <a:extLst>
-              <a:ext uri="{FF2B5EF4-FFF2-40B4-BE49-F238E27FC236}">
-                <a16:creationId xmlns:a16="http://schemas.microsoft.com/office/drawing/2014/main" id="{58A7338A-84E3-728F-9612-648DEAD652B8}"/>
+          <p:cNvPr id="88" name="Graphic 87" descr="User with solid fill">
+            <a:extLst>
+              <a:ext uri="{FF2B5EF4-FFF2-40B4-BE49-F238E27FC236}">
+                <a16:creationId xmlns:a16="http://schemas.microsoft.com/office/drawing/2014/main" id="{A1E8E3B4-EF26-D7AD-7B02-8362E12DCCBD}"/>
               </a:ext>
             </a:extLst>
           </p:cNvPr>
@@ -22147,40 +22151,10 @@
           <p:nvPr/>
         </p:nvPicPr>
         <p:blipFill>
-          <a:blip r:embed="rId14"/>
-          <a:stretch>
-            <a:fillRect/>
-          </a:stretch>
-        </p:blipFill>
-        <p:spPr>
-          <a:xfrm>
-            <a:off x="-1457684" y="-1779538"/>
-            <a:ext cx="1295829" cy="4569500"/>
-          </a:xfrm>
-          <a:prstGeom prst="rect">
-            <a:avLst/>
-          </a:prstGeom>
-        </p:spPr>
-      </p:pic>
-      <p:pic>
-        <p:nvPicPr>
-          <p:cNvPr id="88" name="Graphic 87" descr="User with solid fill">
-            <a:extLst>
-              <a:ext uri="{FF2B5EF4-FFF2-40B4-BE49-F238E27FC236}">
-                <a16:creationId xmlns:a16="http://schemas.microsoft.com/office/drawing/2014/main" id="{A1E8E3B4-EF26-D7AD-7B02-8362E12DCCBD}"/>
-              </a:ext>
-            </a:extLst>
-          </p:cNvPr>
-          <p:cNvPicPr>
-            <a:picLocks noChangeAspect="1"/>
-          </p:cNvPicPr>
-          <p:nvPr/>
-        </p:nvPicPr>
-        <p:blipFill>
-          <a:blip r:embed="rId15">
+          <a:blip r:embed="rId14">
             <a:extLst>
               <a:ext uri="{96DAC541-7B7A-43D3-8B79-37D633B846F1}">
-                <asvg:svgBlip xmlns:asvg="http://schemas.microsoft.com/office/drawing/2016/SVG/main" r:embed="rId16"/>
+                <asvg:svgBlip xmlns:asvg="http://schemas.microsoft.com/office/drawing/2016/SVG/main" r:embed="rId15"/>
               </a:ext>
             </a:extLst>
           </a:blip>
@@ -22213,10 +22187,10 @@
           <p:nvPr/>
         </p:nvPicPr>
         <p:blipFill>
-          <a:blip r:embed="rId17">
+          <a:blip r:embed="rId16">
             <a:extLst>
               <a:ext uri="{96DAC541-7B7A-43D3-8B79-37D633B846F1}">
-                <asvg:svgBlip xmlns:asvg="http://schemas.microsoft.com/office/drawing/2016/SVG/main" r:embed="rId18"/>
+                <asvg:svgBlip xmlns:asvg="http://schemas.microsoft.com/office/drawing/2016/SVG/main" r:embed="rId17"/>
               </a:ext>
             </a:extLst>
           </a:blip>
@@ -22515,10 +22489,10 @@
           <p:nvPr/>
         </p:nvPicPr>
         <p:blipFill>
-          <a:blip r:embed="rId19">
+          <a:blip r:embed="rId18">
             <a:extLst>
               <a:ext uri="{96DAC541-7B7A-43D3-8B79-37D633B846F1}">
-                <asvg:svgBlip xmlns:asvg="http://schemas.microsoft.com/office/drawing/2016/SVG/main" r:embed="rId20"/>
+                <asvg:svgBlip xmlns:asvg="http://schemas.microsoft.com/office/drawing/2016/SVG/main" r:embed="rId19"/>
               </a:ext>
             </a:extLst>
           </a:blip>
@@ -22551,10 +22525,10 @@
           <p:nvPr/>
         </p:nvPicPr>
         <p:blipFill>
-          <a:blip r:embed="rId21">
+          <a:blip r:embed="rId20">
             <a:extLst>
               <a:ext uri="{96DAC541-7B7A-43D3-8B79-37D633B846F1}">
-                <asvg:svgBlip xmlns:asvg="http://schemas.microsoft.com/office/drawing/2016/SVG/main" r:embed="rId22"/>
+                <asvg:svgBlip xmlns:asvg="http://schemas.microsoft.com/office/drawing/2016/SVG/main" r:embed="rId21"/>
               </a:ext>
             </a:extLst>
           </a:blip>
@@ -22711,10 +22685,10 @@
             <p:nvPr/>
           </p:nvPicPr>
           <p:blipFill>
-            <a:blip r:embed="rId23">
+            <a:blip r:embed="rId22">
               <a:extLst>
                 <a:ext uri="{96DAC541-7B7A-43D3-8B79-37D633B846F1}">
-                  <asvg:svgBlip xmlns:asvg="http://schemas.microsoft.com/office/drawing/2016/SVG/main" r:embed="rId24"/>
+                  <asvg:svgBlip xmlns:asvg="http://schemas.microsoft.com/office/drawing/2016/SVG/main" r:embed="rId23"/>
                 </a:ext>
               </a:extLst>
             </a:blip>
@@ -23260,10 +23234,10 @@
             <p:nvPr/>
           </p:nvPicPr>
           <p:blipFill>
-            <a:blip r:embed="rId25">
+            <a:blip r:embed="rId24">
               <a:extLst>
                 <a:ext uri="{96DAC541-7B7A-43D3-8B79-37D633B846F1}">
-                  <asvg:svgBlip xmlns:asvg="http://schemas.microsoft.com/office/drawing/2016/SVG/main" r:embed="rId26"/>
+                  <asvg:svgBlip xmlns:asvg="http://schemas.microsoft.com/office/drawing/2016/SVG/main" r:embed="rId25"/>
                 </a:ext>
               </a:extLst>
             </a:blip>
@@ -24044,6 +24018,98 @@
     <p:extLst>
       <p:ext uri="{BB962C8B-B14F-4D97-AF65-F5344CB8AC3E}">
         <p14:creationId xmlns:p14="http://schemas.microsoft.com/office/powerpoint/2010/main" val="3528684350"/>
+      </p:ext>
+    </p:extLst>
+  </p:cSld>
+  <p:clrMapOvr>
+    <a:masterClrMapping/>
+  </p:clrMapOvr>
+</p:sld>
+</file>
+
+<file path=ppt/slides/slide8.xml><?xml version="1.0" encoding="utf-8"?>
+<p:sld xmlns:a="http://schemas.openxmlformats.org/drawingml/2006/main" xmlns:r="http://schemas.openxmlformats.org/officeDocument/2006/relationships" xmlns:p="http://schemas.openxmlformats.org/presentationml/2006/main">
+  <p:cSld>
+    <p:spTree>
+      <p:nvGrpSpPr>
+        <p:cNvPr id="1" name="">
+          <a:extLst>
+            <a:ext uri="{FF2B5EF4-FFF2-40B4-BE49-F238E27FC236}">
+              <a16:creationId xmlns:a16="http://schemas.microsoft.com/office/drawing/2014/main" id="{27B067A6-BBC8-72FA-E25B-6BBF488304A6}"/>
+            </a:ext>
+          </a:extLst>
+        </p:cNvPr>
+        <p:cNvGrpSpPr/>
+        <p:nvPr/>
+      </p:nvGrpSpPr>
+      <p:grpSpPr>
+        <a:xfrm>
+          <a:off x="0" y="0"/>
+          <a:ext cx="0" cy="0"/>
+          <a:chOff x="0" y="0"/>
+          <a:chExt cx="0" cy="0"/>
+        </a:xfrm>
+      </p:grpSpPr>
+      <p:sp>
+        <p:nvSpPr>
+          <p:cNvPr id="9" name="TextBox 8">
+            <a:extLst>
+              <a:ext uri="{FF2B5EF4-FFF2-40B4-BE49-F238E27FC236}">
+                <a16:creationId xmlns:a16="http://schemas.microsoft.com/office/drawing/2014/main" id="{2B784415-A40C-6C44-B9B0-B56AF50F3196}"/>
+              </a:ext>
+            </a:extLst>
+          </p:cNvPr>
+          <p:cNvSpPr txBox="1"/>
+          <p:nvPr/>
+        </p:nvSpPr>
+        <p:spPr>
+          <a:xfrm>
+            <a:off x="450231" y="629962"/>
+            <a:ext cx="7562383" cy="1569660"/>
+          </a:xfrm>
+          <a:prstGeom prst="rect">
+            <a:avLst/>
+          </a:prstGeom>
+          <a:noFill/>
+        </p:spPr>
+        <p:txBody>
+          <a:bodyPr wrap="square">
+            <a:spAutoFit/>
+          </a:bodyPr>
+          <a:lstStyle/>
+          <a:p>
+            <a:r>
+              <a:rPr lang="en-GB" sz="9600" b="1" dirty="0">
+                <a:latin typeface="Rubik" pitchFamily="2" charset="-79"/>
+                <a:cs typeface="Rubik" pitchFamily="2" charset="-79"/>
+              </a:rPr>
+              <a:t>HIDE</a:t>
+            </a:r>
+            <a:r>
+              <a:rPr lang="en-GB" sz="9600" b="1" dirty="0">
+                <a:solidFill>
+                  <a:srgbClr val="FF0000"/>
+                </a:solidFill>
+                <a:latin typeface="Rubik" pitchFamily="2" charset="-79"/>
+                <a:cs typeface="Rubik" pitchFamily="2" charset="-79"/>
+              </a:rPr>
+              <a:t>+</a:t>
+            </a:r>
+            <a:r>
+              <a:rPr lang="en-GB" sz="9600" b="1" dirty="0">
+                <a:latin typeface="Rubik" pitchFamily="2" charset="-79"/>
+                <a:cs typeface="Rubik" pitchFamily="2" charset="-79"/>
+              </a:rPr>
+              <a:t>SEEK</a:t>
+            </a:r>
+            <a:endParaRPr lang="en-NL" dirty="0"/>
+          </a:p>
+        </p:txBody>
+      </p:sp>
+    </p:spTree>
+    <p:extLst>
+      <p:ext uri="{BB962C8B-B14F-4D97-AF65-F5344CB8AC3E}">
+        <p14:creationId xmlns:p14="http://schemas.microsoft.com/office/powerpoint/2010/main" val="1229900368"/>
       </p:ext>
     </p:extLst>
   </p:cSld>

--- a/prototype/prototype v2.pptx
+++ b/prototype/prototype v2.pptx
@@ -2,7 +2,7 @@
 <file path=ppt/presentation.xml><?xml version="1.0" encoding="utf-8"?>
 <p:presentation xmlns:a="http://schemas.openxmlformats.org/drawingml/2006/main" xmlns:r="http://schemas.openxmlformats.org/officeDocument/2006/relationships" xmlns:p="http://schemas.openxmlformats.org/presentationml/2006/main" saveSubsetFonts="1">
   <p:sldMasterIdLst>
-    <p:sldMasterId id="2147483684" r:id="rId1"/>
+    <p:sldMasterId id="2147483696" r:id="rId1"/>
   </p:sldMasterIdLst>
   <p:sldIdLst>
     <p:sldId id="257" r:id="rId2"/>
@@ -14,7 +14,7 @@
     <p:sldId id="264" r:id="rId8"/>
     <p:sldId id="265" r:id="rId9"/>
   </p:sldIdLst>
-  <p:sldSz cx="13860463" cy="7019925"/>
+  <p:sldSz cx="9906000" cy="6858000" type="A4"/>
   <p:notesSz cx="6858000" cy="9144000"/>
   <p:defaultTextStyle>
     <a:defPPr>
@@ -148,15 +148,15 @@
         </p:nvSpPr>
         <p:spPr>
           <a:xfrm>
-            <a:off x="1732558" y="1148863"/>
-            <a:ext cx="10395347" cy="2443974"/>
+            <a:off x="742950" y="1122363"/>
+            <a:ext cx="8420100" cy="2387600"/>
           </a:xfrm>
         </p:spPr>
         <p:txBody>
           <a:bodyPr anchor="b"/>
           <a:lstStyle>
             <a:lvl1pPr algn="ctr">
-              <a:defRPr sz="6142"/>
+              <a:defRPr sz="6000"/>
             </a:lvl1pPr>
           </a:lstStyle>
           <a:p>
@@ -180,8 +180,8 @@
         </p:nvSpPr>
         <p:spPr>
           <a:xfrm>
-            <a:off x="1732558" y="3687086"/>
-            <a:ext cx="10395347" cy="1694856"/>
+            <a:off x="1238250" y="3602038"/>
+            <a:ext cx="7429500" cy="1655762"/>
           </a:xfrm>
         </p:spPr>
         <p:txBody>
@@ -189,39 +189,39 @@
           <a:lstStyle>
             <a:lvl1pPr marL="0" indent="0" algn="ctr">
               <a:buNone/>
-              <a:defRPr sz="2457"/>
+              <a:defRPr sz="2400"/>
             </a:lvl1pPr>
-            <a:lvl2pPr marL="467888" indent="0" algn="ctr">
+            <a:lvl2pPr marL="457200" indent="0" algn="ctr">
               <a:buNone/>
-              <a:defRPr sz="2047"/>
+              <a:defRPr sz="2000"/>
             </a:lvl2pPr>
-            <a:lvl3pPr marL="935775" indent="0" algn="ctr">
+            <a:lvl3pPr marL="914400" indent="0" algn="ctr">
               <a:buNone/>
-              <a:defRPr sz="1842"/>
+              <a:defRPr sz="1800"/>
             </a:lvl3pPr>
-            <a:lvl4pPr marL="1403663" indent="0" algn="ctr">
+            <a:lvl4pPr marL="1371600" indent="0" algn="ctr">
               <a:buNone/>
-              <a:defRPr sz="1638"/>
+              <a:defRPr sz="1600"/>
             </a:lvl4pPr>
-            <a:lvl5pPr marL="1871550" indent="0" algn="ctr">
+            <a:lvl5pPr marL="1828800" indent="0" algn="ctr">
               <a:buNone/>
-              <a:defRPr sz="1638"/>
+              <a:defRPr sz="1600"/>
             </a:lvl5pPr>
-            <a:lvl6pPr marL="2339439" indent="0" algn="ctr">
+            <a:lvl6pPr marL="2286000" indent="0" algn="ctr">
               <a:buNone/>
-              <a:defRPr sz="1638"/>
+              <a:defRPr sz="1600"/>
             </a:lvl6pPr>
-            <a:lvl7pPr marL="2807326" indent="0" algn="ctr">
+            <a:lvl7pPr marL="2743200" indent="0" algn="ctr">
               <a:buNone/>
-              <a:defRPr sz="1638"/>
+              <a:defRPr sz="1600"/>
             </a:lvl7pPr>
-            <a:lvl8pPr marL="3275213" indent="0" algn="ctr">
+            <a:lvl8pPr marL="3200400" indent="0" algn="ctr">
               <a:buNone/>
-              <a:defRPr sz="1638"/>
+              <a:defRPr sz="1600"/>
             </a:lvl8pPr>
-            <a:lvl9pPr marL="3743100" indent="0" algn="ctr">
+            <a:lvl9pPr marL="3657600" indent="0" algn="ctr">
               <a:buNone/>
-              <a:defRPr sz="1638"/>
+              <a:defRPr sz="1600"/>
             </a:lvl9pPr>
           </a:lstStyle>
           <a:p>
@@ -250,7 +250,7 @@
           <a:p>
             <a:fld id="{335A01E9-5263-49B0-BF31-C9D0821B9F5E}" type="datetimeFigureOut">
               <a:rPr lang="en-NL" smtClean="0"/>
-              <a:t>03/01/2025</a:t>
+              <a:t>09/01/2025</a:t>
             </a:fld>
             <a:endParaRPr lang="en-NL"/>
           </a:p>
@@ -301,7 +301,7 @@
     </p:spTree>
     <p:extLst>
       <p:ext uri="{BB962C8B-B14F-4D97-AF65-F5344CB8AC3E}">
-        <p14:creationId xmlns:p14="http://schemas.microsoft.com/office/powerpoint/2010/main" val="1724570198"/>
+        <p14:creationId xmlns:p14="http://schemas.microsoft.com/office/powerpoint/2010/main" val="3444301314"/>
       </p:ext>
     </p:extLst>
   </p:cSld>
@@ -420,7 +420,7 @@
           <a:p>
             <a:fld id="{335A01E9-5263-49B0-BF31-C9D0821B9F5E}" type="datetimeFigureOut">
               <a:rPr lang="en-NL" smtClean="0"/>
-              <a:t>03/01/2025</a:t>
+              <a:t>09/01/2025</a:t>
             </a:fld>
             <a:endParaRPr lang="en-NL"/>
           </a:p>
@@ -471,7 +471,7 @@
     </p:spTree>
     <p:extLst>
       <p:ext uri="{BB962C8B-B14F-4D97-AF65-F5344CB8AC3E}">
-        <p14:creationId xmlns:p14="http://schemas.microsoft.com/office/powerpoint/2010/main" val="2329049288"/>
+        <p14:creationId xmlns:p14="http://schemas.microsoft.com/office/powerpoint/2010/main" val="436266157"/>
       </p:ext>
     </p:extLst>
   </p:cSld>
@@ -510,8 +510,8 @@
         </p:nvSpPr>
         <p:spPr>
           <a:xfrm>
-            <a:off x="9918897" y="373746"/>
-            <a:ext cx="2988662" cy="5949062"/>
+            <a:off x="7088982" y="365125"/>
+            <a:ext cx="2135981" cy="5811838"/>
           </a:xfrm>
         </p:spPr>
         <p:txBody>
@@ -538,8 +538,8 @@
         </p:nvSpPr>
         <p:spPr>
           <a:xfrm>
-            <a:off x="952910" y="373746"/>
-            <a:ext cx="8792731" cy="5949062"/>
+            <a:off x="681038" y="365125"/>
+            <a:ext cx="6284119" cy="5811838"/>
           </a:xfrm>
         </p:spPr>
         <p:txBody>
@@ -600,7 +600,7 @@
           <a:p>
             <a:fld id="{335A01E9-5263-49B0-BF31-C9D0821B9F5E}" type="datetimeFigureOut">
               <a:rPr lang="en-NL" smtClean="0"/>
-              <a:t>03/01/2025</a:t>
+              <a:t>09/01/2025</a:t>
             </a:fld>
             <a:endParaRPr lang="en-NL"/>
           </a:p>
@@ -651,7 +651,7 @@
     </p:spTree>
     <p:extLst>
       <p:ext uri="{BB962C8B-B14F-4D97-AF65-F5344CB8AC3E}">
-        <p14:creationId xmlns:p14="http://schemas.microsoft.com/office/powerpoint/2010/main" val="3751060547"/>
+        <p14:creationId xmlns:p14="http://schemas.microsoft.com/office/powerpoint/2010/main" val="3463510823"/>
       </p:ext>
     </p:extLst>
   </p:cSld>
@@ -770,7 +770,7 @@
           <a:p>
             <a:fld id="{335A01E9-5263-49B0-BF31-C9D0821B9F5E}" type="datetimeFigureOut">
               <a:rPr lang="en-NL" smtClean="0"/>
-              <a:t>03/01/2025</a:t>
+              <a:t>09/01/2025</a:t>
             </a:fld>
             <a:endParaRPr lang="en-NL"/>
           </a:p>
@@ -821,7 +821,7 @@
     </p:spTree>
     <p:extLst>
       <p:ext uri="{BB962C8B-B14F-4D97-AF65-F5344CB8AC3E}">
-        <p14:creationId xmlns:p14="http://schemas.microsoft.com/office/powerpoint/2010/main" val="1423368498"/>
+        <p14:creationId xmlns:p14="http://schemas.microsoft.com/office/powerpoint/2010/main" val="2494016012"/>
       </p:ext>
     </p:extLst>
   </p:cSld>
@@ -860,15 +860,15 @@
         </p:nvSpPr>
         <p:spPr>
           <a:xfrm>
-            <a:off x="945691" y="1750113"/>
-            <a:ext cx="11954649" cy="2920093"/>
+            <a:off x="675879" y="1709740"/>
+            <a:ext cx="8543925" cy="2852737"/>
           </a:xfrm>
         </p:spPr>
         <p:txBody>
           <a:bodyPr anchor="b"/>
           <a:lstStyle>
             <a:lvl1pPr>
-              <a:defRPr sz="6142"/>
+              <a:defRPr sz="6000"/>
             </a:lvl1pPr>
           </a:lstStyle>
           <a:p>
@@ -892,8 +892,8 @@
         </p:nvSpPr>
         <p:spPr>
           <a:xfrm>
-            <a:off x="945691" y="4697826"/>
-            <a:ext cx="11954649" cy="1535608"/>
+            <a:off x="675879" y="4589465"/>
+            <a:ext cx="8543925" cy="1500187"/>
           </a:xfrm>
         </p:spPr>
         <p:txBody>
@@ -901,7 +901,7 @@
           <a:lstStyle>
             <a:lvl1pPr marL="0" indent="0">
               <a:buNone/>
-              <a:defRPr sz="2457">
+              <a:defRPr sz="2400">
                 <a:solidFill>
                   <a:schemeClr val="tx1">
                     <a:tint val="82000"/>
@@ -909,9 +909,9 @@
                 </a:solidFill>
               </a:defRPr>
             </a:lvl1pPr>
-            <a:lvl2pPr marL="467888" indent="0">
+            <a:lvl2pPr marL="457200" indent="0">
               <a:buNone/>
-              <a:defRPr sz="2047">
+              <a:defRPr sz="2000">
                 <a:solidFill>
                   <a:schemeClr val="tx1">
                     <a:tint val="82000"/>
@@ -919,9 +919,9 @@
                 </a:solidFill>
               </a:defRPr>
             </a:lvl2pPr>
-            <a:lvl3pPr marL="935775" indent="0">
+            <a:lvl3pPr marL="914400" indent="0">
               <a:buNone/>
-              <a:defRPr sz="1842">
+              <a:defRPr sz="1800">
                 <a:solidFill>
                   <a:schemeClr val="tx1">
                     <a:tint val="82000"/>
@@ -929,9 +929,9 @@
                 </a:solidFill>
               </a:defRPr>
             </a:lvl3pPr>
-            <a:lvl4pPr marL="1403663" indent="0">
+            <a:lvl4pPr marL="1371600" indent="0">
               <a:buNone/>
-              <a:defRPr sz="1638">
+              <a:defRPr sz="1600">
                 <a:solidFill>
                   <a:schemeClr val="tx1">
                     <a:tint val="82000"/>
@@ -939,9 +939,9 @@
                 </a:solidFill>
               </a:defRPr>
             </a:lvl4pPr>
-            <a:lvl5pPr marL="1871550" indent="0">
+            <a:lvl5pPr marL="1828800" indent="0">
               <a:buNone/>
-              <a:defRPr sz="1638">
+              <a:defRPr sz="1600">
                 <a:solidFill>
                   <a:schemeClr val="tx1">
                     <a:tint val="82000"/>
@@ -949,9 +949,9 @@
                 </a:solidFill>
               </a:defRPr>
             </a:lvl5pPr>
-            <a:lvl6pPr marL="2339439" indent="0">
+            <a:lvl6pPr marL="2286000" indent="0">
               <a:buNone/>
-              <a:defRPr sz="1638">
+              <a:defRPr sz="1600">
                 <a:solidFill>
                   <a:schemeClr val="tx1">
                     <a:tint val="82000"/>
@@ -959,9 +959,9 @@
                 </a:solidFill>
               </a:defRPr>
             </a:lvl6pPr>
-            <a:lvl7pPr marL="2807326" indent="0">
+            <a:lvl7pPr marL="2743200" indent="0">
               <a:buNone/>
-              <a:defRPr sz="1638">
+              <a:defRPr sz="1600">
                 <a:solidFill>
                   <a:schemeClr val="tx1">
                     <a:tint val="82000"/>
@@ -969,9 +969,9 @@
                 </a:solidFill>
               </a:defRPr>
             </a:lvl7pPr>
-            <a:lvl8pPr marL="3275213" indent="0">
+            <a:lvl8pPr marL="3200400" indent="0">
               <a:buNone/>
-              <a:defRPr sz="1638">
+              <a:defRPr sz="1600">
                 <a:solidFill>
                   <a:schemeClr val="tx1">
                     <a:tint val="82000"/>
@@ -979,9 +979,9 @@
                 </a:solidFill>
               </a:defRPr>
             </a:lvl8pPr>
-            <a:lvl9pPr marL="3743100" indent="0">
+            <a:lvl9pPr marL="3657600" indent="0">
               <a:buNone/>
-              <a:defRPr sz="1638">
+              <a:defRPr sz="1600">
                 <a:solidFill>
                   <a:schemeClr val="tx1">
                     <a:tint val="82000"/>
@@ -1016,7 +1016,7 @@
           <a:p>
             <a:fld id="{335A01E9-5263-49B0-BF31-C9D0821B9F5E}" type="datetimeFigureOut">
               <a:rPr lang="en-NL" smtClean="0"/>
-              <a:t>03/01/2025</a:t>
+              <a:t>09/01/2025</a:t>
             </a:fld>
             <a:endParaRPr lang="en-NL"/>
           </a:p>
@@ -1067,7 +1067,7 @@
     </p:spTree>
     <p:extLst>
       <p:ext uri="{BB962C8B-B14F-4D97-AF65-F5344CB8AC3E}">
-        <p14:creationId xmlns:p14="http://schemas.microsoft.com/office/powerpoint/2010/main" val="3289307442"/>
+        <p14:creationId xmlns:p14="http://schemas.microsoft.com/office/powerpoint/2010/main" val="1916039405"/>
       </p:ext>
     </p:extLst>
   </p:cSld>
@@ -1129,8 +1129,8 @@
         </p:nvSpPr>
         <p:spPr>
           <a:xfrm>
-            <a:off x="952910" y="1868730"/>
-            <a:ext cx="5890697" cy="4454078"/>
+            <a:off x="681038" y="1825625"/>
+            <a:ext cx="4210050" cy="4351338"/>
           </a:xfrm>
         </p:spPr>
         <p:txBody>
@@ -1186,8 +1186,8 @@
         </p:nvSpPr>
         <p:spPr>
           <a:xfrm>
-            <a:off x="7016862" y="1868730"/>
-            <a:ext cx="5890697" cy="4454078"/>
+            <a:off x="5014913" y="1825625"/>
+            <a:ext cx="4210050" cy="4351338"/>
           </a:xfrm>
         </p:spPr>
         <p:txBody>
@@ -1248,7 +1248,7 @@
           <a:p>
             <a:fld id="{335A01E9-5263-49B0-BF31-C9D0821B9F5E}" type="datetimeFigureOut">
               <a:rPr lang="en-NL" smtClean="0"/>
-              <a:t>03/01/2025</a:t>
+              <a:t>09/01/2025</a:t>
             </a:fld>
             <a:endParaRPr lang="en-NL"/>
           </a:p>
@@ -1299,7 +1299,7 @@
     </p:spTree>
     <p:extLst>
       <p:ext uri="{BB962C8B-B14F-4D97-AF65-F5344CB8AC3E}">
-        <p14:creationId xmlns:p14="http://schemas.microsoft.com/office/powerpoint/2010/main" val="3137465831"/>
+        <p14:creationId xmlns:p14="http://schemas.microsoft.com/office/powerpoint/2010/main" val="2842896876"/>
       </p:ext>
     </p:extLst>
   </p:cSld>
@@ -1338,8 +1338,8 @@
         </p:nvSpPr>
         <p:spPr>
           <a:xfrm>
-            <a:off x="954715" y="373753"/>
-            <a:ext cx="11954649" cy="1356861"/>
+            <a:off x="682328" y="365127"/>
+            <a:ext cx="8543925" cy="1325563"/>
           </a:xfrm>
         </p:spPr>
         <p:txBody>
@@ -1366,8 +1366,8 @@
         </p:nvSpPr>
         <p:spPr>
           <a:xfrm>
-            <a:off x="954716" y="1720863"/>
-            <a:ext cx="5863625" cy="843365"/>
+            <a:off x="682329" y="1681163"/>
+            <a:ext cx="4190702" cy="823912"/>
           </a:xfrm>
         </p:spPr>
         <p:txBody>
@@ -1375,39 +1375,39 @@
           <a:lstStyle>
             <a:lvl1pPr marL="0" indent="0">
               <a:buNone/>
-              <a:defRPr sz="2457" b="1"/>
+              <a:defRPr sz="2400" b="1"/>
             </a:lvl1pPr>
-            <a:lvl2pPr marL="467888" indent="0">
+            <a:lvl2pPr marL="457200" indent="0">
               <a:buNone/>
-              <a:defRPr sz="2047" b="1"/>
+              <a:defRPr sz="2000" b="1"/>
             </a:lvl2pPr>
-            <a:lvl3pPr marL="935775" indent="0">
+            <a:lvl3pPr marL="914400" indent="0">
               <a:buNone/>
-              <a:defRPr sz="1842" b="1"/>
+              <a:defRPr sz="1800" b="1"/>
             </a:lvl3pPr>
-            <a:lvl4pPr marL="1403663" indent="0">
+            <a:lvl4pPr marL="1371600" indent="0">
               <a:buNone/>
-              <a:defRPr sz="1638" b="1"/>
+              <a:defRPr sz="1600" b="1"/>
             </a:lvl4pPr>
-            <a:lvl5pPr marL="1871550" indent="0">
+            <a:lvl5pPr marL="1828800" indent="0">
               <a:buNone/>
-              <a:defRPr sz="1638" b="1"/>
+              <a:defRPr sz="1600" b="1"/>
             </a:lvl5pPr>
-            <a:lvl6pPr marL="2339439" indent="0">
+            <a:lvl6pPr marL="2286000" indent="0">
               <a:buNone/>
-              <a:defRPr sz="1638" b="1"/>
+              <a:defRPr sz="1600" b="1"/>
             </a:lvl6pPr>
-            <a:lvl7pPr marL="2807326" indent="0">
+            <a:lvl7pPr marL="2743200" indent="0">
               <a:buNone/>
-              <a:defRPr sz="1638" b="1"/>
+              <a:defRPr sz="1600" b="1"/>
             </a:lvl7pPr>
-            <a:lvl8pPr marL="3275213" indent="0">
+            <a:lvl8pPr marL="3200400" indent="0">
               <a:buNone/>
-              <a:defRPr sz="1638" b="1"/>
+              <a:defRPr sz="1600" b="1"/>
             </a:lvl8pPr>
-            <a:lvl9pPr marL="3743100" indent="0">
+            <a:lvl9pPr marL="3657600" indent="0">
               <a:buNone/>
-              <a:defRPr sz="1638" b="1"/>
+              <a:defRPr sz="1600" b="1"/>
             </a:lvl9pPr>
           </a:lstStyle>
           <a:p>
@@ -1431,8 +1431,8 @@
         </p:nvSpPr>
         <p:spPr>
           <a:xfrm>
-            <a:off x="954716" y="2564229"/>
-            <a:ext cx="5863625" cy="3771585"/>
+            <a:off x="682329" y="2505075"/>
+            <a:ext cx="4190702" cy="3684588"/>
           </a:xfrm>
         </p:spPr>
         <p:txBody>
@@ -1488,8 +1488,8 @@
         </p:nvSpPr>
         <p:spPr>
           <a:xfrm>
-            <a:off x="7016859" y="1720863"/>
-            <a:ext cx="5892502" cy="843365"/>
+            <a:off x="5014913" y="1681163"/>
+            <a:ext cx="4211340" cy="823912"/>
           </a:xfrm>
         </p:spPr>
         <p:txBody>
@@ -1497,39 +1497,39 @@
           <a:lstStyle>
             <a:lvl1pPr marL="0" indent="0">
               <a:buNone/>
-              <a:defRPr sz="2457" b="1"/>
+              <a:defRPr sz="2400" b="1"/>
             </a:lvl1pPr>
-            <a:lvl2pPr marL="467888" indent="0">
+            <a:lvl2pPr marL="457200" indent="0">
               <a:buNone/>
-              <a:defRPr sz="2047" b="1"/>
+              <a:defRPr sz="2000" b="1"/>
             </a:lvl2pPr>
-            <a:lvl3pPr marL="935775" indent="0">
+            <a:lvl3pPr marL="914400" indent="0">
               <a:buNone/>
-              <a:defRPr sz="1842" b="1"/>
+              <a:defRPr sz="1800" b="1"/>
             </a:lvl3pPr>
-            <a:lvl4pPr marL="1403663" indent="0">
+            <a:lvl4pPr marL="1371600" indent="0">
               <a:buNone/>
-              <a:defRPr sz="1638" b="1"/>
+              <a:defRPr sz="1600" b="1"/>
             </a:lvl4pPr>
-            <a:lvl5pPr marL="1871550" indent="0">
+            <a:lvl5pPr marL="1828800" indent="0">
               <a:buNone/>
-              <a:defRPr sz="1638" b="1"/>
+              <a:defRPr sz="1600" b="1"/>
             </a:lvl5pPr>
-            <a:lvl6pPr marL="2339439" indent="0">
+            <a:lvl6pPr marL="2286000" indent="0">
               <a:buNone/>
-              <a:defRPr sz="1638" b="1"/>
+              <a:defRPr sz="1600" b="1"/>
             </a:lvl6pPr>
-            <a:lvl7pPr marL="2807326" indent="0">
+            <a:lvl7pPr marL="2743200" indent="0">
               <a:buNone/>
-              <a:defRPr sz="1638" b="1"/>
+              <a:defRPr sz="1600" b="1"/>
             </a:lvl7pPr>
-            <a:lvl8pPr marL="3275213" indent="0">
+            <a:lvl8pPr marL="3200400" indent="0">
               <a:buNone/>
-              <a:defRPr sz="1638" b="1"/>
+              <a:defRPr sz="1600" b="1"/>
             </a:lvl8pPr>
-            <a:lvl9pPr marL="3743100" indent="0">
+            <a:lvl9pPr marL="3657600" indent="0">
               <a:buNone/>
-              <a:defRPr sz="1638" b="1"/>
+              <a:defRPr sz="1600" b="1"/>
             </a:lvl9pPr>
           </a:lstStyle>
           <a:p>
@@ -1553,8 +1553,8 @@
         </p:nvSpPr>
         <p:spPr>
           <a:xfrm>
-            <a:off x="7016859" y="2564229"/>
-            <a:ext cx="5892502" cy="3771585"/>
+            <a:off x="5014913" y="2505075"/>
+            <a:ext cx="4211340" cy="3684588"/>
           </a:xfrm>
         </p:spPr>
         <p:txBody>
@@ -1615,7 +1615,7 @@
           <a:p>
             <a:fld id="{335A01E9-5263-49B0-BF31-C9D0821B9F5E}" type="datetimeFigureOut">
               <a:rPr lang="en-NL" smtClean="0"/>
-              <a:t>03/01/2025</a:t>
+              <a:t>09/01/2025</a:t>
             </a:fld>
             <a:endParaRPr lang="en-NL"/>
           </a:p>
@@ -1666,7 +1666,7 @@
     </p:spTree>
     <p:extLst>
       <p:ext uri="{BB962C8B-B14F-4D97-AF65-F5344CB8AC3E}">
-        <p14:creationId xmlns:p14="http://schemas.microsoft.com/office/powerpoint/2010/main" val="2388694063"/>
+        <p14:creationId xmlns:p14="http://schemas.microsoft.com/office/powerpoint/2010/main" val="2921793739"/>
       </p:ext>
     </p:extLst>
   </p:cSld>
@@ -1733,7 +1733,7 @@
           <a:p>
             <a:fld id="{335A01E9-5263-49B0-BF31-C9D0821B9F5E}" type="datetimeFigureOut">
               <a:rPr lang="en-NL" smtClean="0"/>
-              <a:t>03/01/2025</a:t>
+              <a:t>09/01/2025</a:t>
             </a:fld>
             <a:endParaRPr lang="en-NL"/>
           </a:p>
@@ -1784,7 +1784,7 @@
     </p:spTree>
     <p:extLst>
       <p:ext uri="{BB962C8B-B14F-4D97-AF65-F5344CB8AC3E}">
-        <p14:creationId xmlns:p14="http://schemas.microsoft.com/office/powerpoint/2010/main" val="1008229349"/>
+        <p14:creationId xmlns:p14="http://schemas.microsoft.com/office/powerpoint/2010/main" val="3202624617"/>
       </p:ext>
     </p:extLst>
   </p:cSld>
@@ -1828,7 +1828,7 @@
           <a:p>
             <a:fld id="{335A01E9-5263-49B0-BF31-C9D0821B9F5E}" type="datetimeFigureOut">
               <a:rPr lang="en-NL" smtClean="0"/>
-              <a:t>03/01/2025</a:t>
+              <a:t>09/01/2025</a:t>
             </a:fld>
             <a:endParaRPr lang="en-NL"/>
           </a:p>
@@ -1879,7 +1879,7 @@
     </p:spTree>
     <p:extLst>
       <p:ext uri="{BB962C8B-B14F-4D97-AF65-F5344CB8AC3E}">
-        <p14:creationId xmlns:p14="http://schemas.microsoft.com/office/powerpoint/2010/main" val="2030287019"/>
+        <p14:creationId xmlns:p14="http://schemas.microsoft.com/office/powerpoint/2010/main" val="4095096858"/>
       </p:ext>
     </p:extLst>
   </p:cSld>
@@ -1918,15 +1918,15 @@
         </p:nvSpPr>
         <p:spPr>
           <a:xfrm>
-            <a:off x="954713" y="468001"/>
-            <a:ext cx="4470360" cy="1637983"/>
+            <a:off x="682328" y="457200"/>
+            <a:ext cx="3194943" cy="1600200"/>
           </a:xfrm>
         </p:spPr>
         <p:txBody>
           <a:bodyPr anchor="b"/>
           <a:lstStyle>
             <a:lvl1pPr>
-              <a:defRPr sz="3276"/>
+              <a:defRPr sz="3200"/>
             </a:lvl1pPr>
           </a:lstStyle>
           <a:p>
@@ -1950,39 +1950,39 @@
         </p:nvSpPr>
         <p:spPr>
           <a:xfrm>
-            <a:off x="5892505" y="1010746"/>
-            <a:ext cx="7016859" cy="4988697"/>
+            <a:off x="4211340" y="987427"/>
+            <a:ext cx="5014913" cy="4873625"/>
           </a:xfrm>
         </p:spPr>
         <p:txBody>
           <a:bodyPr/>
           <a:lstStyle>
             <a:lvl1pPr>
-              <a:defRPr sz="3276"/>
+              <a:defRPr sz="3200"/>
             </a:lvl1pPr>
             <a:lvl2pPr>
-              <a:defRPr sz="2863"/>
+              <a:defRPr sz="2800"/>
             </a:lvl2pPr>
             <a:lvl3pPr>
-              <a:defRPr sz="2457"/>
+              <a:defRPr sz="2400"/>
             </a:lvl3pPr>
             <a:lvl4pPr>
-              <a:defRPr sz="2047"/>
+              <a:defRPr sz="2000"/>
             </a:lvl4pPr>
             <a:lvl5pPr>
-              <a:defRPr sz="2047"/>
+              <a:defRPr sz="2000"/>
             </a:lvl5pPr>
             <a:lvl6pPr>
-              <a:defRPr sz="2047"/>
+              <a:defRPr sz="2000"/>
             </a:lvl6pPr>
             <a:lvl7pPr>
-              <a:defRPr sz="2047"/>
+              <a:defRPr sz="2000"/>
             </a:lvl7pPr>
             <a:lvl8pPr>
-              <a:defRPr sz="2047"/>
+              <a:defRPr sz="2000"/>
             </a:lvl8pPr>
             <a:lvl9pPr>
-              <a:defRPr sz="2047"/>
+              <a:defRPr sz="2000"/>
             </a:lvl9pPr>
           </a:lstStyle>
           <a:p>
@@ -2035,8 +2035,8 @@
         </p:nvSpPr>
         <p:spPr>
           <a:xfrm>
-            <a:off x="954713" y="2105977"/>
-            <a:ext cx="4470360" cy="3901584"/>
+            <a:off x="682328" y="2057400"/>
+            <a:ext cx="3194943" cy="3811588"/>
           </a:xfrm>
         </p:spPr>
         <p:txBody>
@@ -2044,39 +2044,39 @@
           <a:lstStyle>
             <a:lvl1pPr marL="0" indent="0">
               <a:buNone/>
-              <a:defRPr sz="1638"/>
+              <a:defRPr sz="1600"/>
             </a:lvl1pPr>
-            <a:lvl2pPr marL="467888" indent="0">
+            <a:lvl2pPr marL="457200" indent="0">
               <a:buNone/>
-              <a:defRPr sz="1433"/>
+              <a:defRPr sz="1400"/>
             </a:lvl2pPr>
-            <a:lvl3pPr marL="935775" indent="0">
+            <a:lvl3pPr marL="914400" indent="0">
               <a:buNone/>
-              <a:defRPr sz="1228"/>
+              <a:defRPr sz="1200"/>
             </a:lvl3pPr>
-            <a:lvl4pPr marL="1403663" indent="0">
+            <a:lvl4pPr marL="1371600" indent="0">
               <a:buNone/>
-              <a:defRPr sz="1024"/>
+              <a:defRPr sz="1000"/>
             </a:lvl4pPr>
-            <a:lvl5pPr marL="1871550" indent="0">
+            <a:lvl5pPr marL="1828800" indent="0">
               <a:buNone/>
-              <a:defRPr sz="1024"/>
+              <a:defRPr sz="1000"/>
             </a:lvl5pPr>
-            <a:lvl6pPr marL="2339439" indent="0">
+            <a:lvl6pPr marL="2286000" indent="0">
               <a:buNone/>
-              <a:defRPr sz="1024"/>
+              <a:defRPr sz="1000"/>
             </a:lvl6pPr>
-            <a:lvl7pPr marL="2807326" indent="0">
+            <a:lvl7pPr marL="2743200" indent="0">
               <a:buNone/>
-              <a:defRPr sz="1024"/>
+              <a:defRPr sz="1000"/>
             </a:lvl7pPr>
-            <a:lvl8pPr marL="3275213" indent="0">
+            <a:lvl8pPr marL="3200400" indent="0">
               <a:buNone/>
-              <a:defRPr sz="1024"/>
+              <a:defRPr sz="1000"/>
             </a:lvl8pPr>
-            <a:lvl9pPr marL="3743100" indent="0">
+            <a:lvl9pPr marL="3657600" indent="0">
               <a:buNone/>
-              <a:defRPr sz="1024"/>
+              <a:defRPr sz="1000"/>
             </a:lvl9pPr>
           </a:lstStyle>
           <a:p>
@@ -2105,7 +2105,7 @@
           <a:p>
             <a:fld id="{335A01E9-5263-49B0-BF31-C9D0821B9F5E}" type="datetimeFigureOut">
               <a:rPr lang="en-NL" smtClean="0"/>
-              <a:t>03/01/2025</a:t>
+              <a:t>09/01/2025</a:t>
             </a:fld>
             <a:endParaRPr lang="en-NL"/>
           </a:p>
@@ -2156,7 +2156,7 @@
     </p:spTree>
     <p:extLst>
       <p:ext uri="{BB962C8B-B14F-4D97-AF65-F5344CB8AC3E}">
-        <p14:creationId xmlns:p14="http://schemas.microsoft.com/office/powerpoint/2010/main" val="3710491669"/>
+        <p14:creationId xmlns:p14="http://schemas.microsoft.com/office/powerpoint/2010/main" val="1865359598"/>
       </p:ext>
     </p:extLst>
   </p:cSld>
@@ -2195,15 +2195,15 @@
         </p:nvSpPr>
         <p:spPr>
           <a:xfrm>
-            <a:off x="954713" y="468001"/>
-            <a:ext cx="4470360" cy="1637983"/>
+            <a:off x="682328" y="457200"/>
+            <a:ext cx="3194943" cy="1600200"/>
           </a:xfrm>
         </p:spPr>
         <p:txBody>
           <a:bodyPr anchor="b"/>
           <a:lstStyle>
             <a:lvl1pPr>
-              <a:defRPr sz="3276"/>
+              <a:defRPr sz="3200"/>
             </a:lvl1pPr>
           </a:lstStyle>
           <a:p>
@@ -2227,8 +2227,8 @@
         </p:nvSpPr>
         <p:spPr>
           <a:xfrm>
-            <a:off x="5892505" y="1010746"/>
-            <a:ext cx="7016859" cy="4988697"/>
+            <a:off x="4211340" y="987427"/>
+            <a:ext cx="5014913" cy="4873625"/>
           </a:xfrm>
         </p:spPr>
         <p:txBody>
@@ -2236,39 +2236,39 @@
           <a:lstStyle>
             <a:lvl1pPr marL="0" indent="0">
               <a:buNone/>
-              <a:defRPr sz="3276"/>
+              <a:defRPr sz="3200"/>
             </a:lvl1pPr>
-            <a:lvl2pPr marL="467888" indent="0">
+            <a:lvl2pPr marL="457200" indent="0">
               <a:buNone/>
-              <a:defRPr sz="2863"/>
+              <a:defRPr sz="2800"/>
             </a:lvl2pPr>
-            <a:lvl3pPr marL="935775" indent="0">
+            <a:lvl3pPr marL="914400" indent="0">
               <a:buNone/>
-              <a:defRPr sz="2457"/>
+              <a:defRPr sz="2400"/>
             </a:lvl3pPr>
-            <a:lvl4pPr marL="1403663" indent="0">
+            <a:lvl4pPr marL="1371600" indent="0">
               <a:buNone/>
-              <a:defRPr sz="2047"/>
+              <a:defRPr sz="2000"/>
             </a:lvl4pPr>
-            <a:lvl5pPr marL="1871550" indent="0">
+            <a:lvl5pPr marL="1828800" indent="0">
               <a:buNone/>
-              <a:defRPr sz="2047"/>
+              <a:defRPr sz="2000"/>
             </a:lvl5pPr>
-            <a:lvl6pPr marL="2339439" indent="0">
+            <a:lvl6pPr marL="2286000" indent="0">
               <a:buNone/>
-              <a:defRPr sz="2047"/>
+              <a:defRPr sz="2000"/>
             </a:lvl6pPr>
-            <a:lvl7pPr marL="2807326" indent="0">
+            <a:lvl7pPr marL="2743200" indent="0">
               <a:buNone/>
-              <a:defRPr sz="2047"/>
+              <a:defRPr sz="2000"/>
             </a:lvl7pPr>
-            <a:lvl8pPr marL="3275213" indent="0">
+            <a:lvl8pPr marL="3200400" indent="0">
               <a:buNone/>
-              <a:defRPr sz="2047"/>
+              <a:defRPr sz="2000"/>
             </a:lvl8pPr>
-            <a:lvl9pPr marL="3743100" indent="0">
+            <a:lvl9pPr marL="3657600" indent="0">
               <a:buNone/>
-              <a:defRPr sz="2047"/>
+              <a:defRPr sz="2000"/>
             </a:lvl9pPr>
           </a:lstStyle>
           <a:p>
@@ -2292,8 +2292,8 @@
         </p:nvSpPr>
         <p:spPr>
           <a:xfrm>
-            <a:off x="954713" y="2105977"/>
-            <a:ext cx="4470360" cy="3901584"/>
+            <a:off x="682328" y="2057400"/>
+            <a:ext cx="3194943" cy="3811588"/>
           </a:xfrm>
         </p:spPr>
         <p:txBody>
@@ -2301,39 +2301,39 @@
           <a:lstStyle>
             <a:lvl1pPr marL="0" indent="0">
               <a:buNone/>
-              <a:defRPr sz="1638"/>
+              <a:defRPr sz="1600"/>
             </a:lvl1pPr>
-            <a:lvl2pPr marL="467888" indent="0">
+            <a:lvl2pPr marL="457200" indent="0">
               <a:buNone/>
-              <a:defRPr sz="1433"/>
+              <a:defRPr sz="1400"/>
             </a:lvl2pPr>
-            <a:lvl3pPr marL="935775" indent="0">
+            <a:lvl3pPr marL="914400" indent="0">
               <a:buNone/>
-              <a:defRPr sz="1228"/>
+              <a:defRPr sz="1200"/>
             </a:lvl3pPr>
-            <a:lvl4pPr marL="1403663" indent="0">
+            <a:lvl4pPr marL="1371600" indent="0">
               <a:buNone/>
-              <a:defRPr sz="1024"/>
+              <a:defRPr sz="1000"/>
             </a:lvl4pPr>
-            <a:lvl5pPr marL="1871550" indent="0">
+            <a:lvl5pPr marL="1828800" indent="0">
               <a:buNone/>
-              <a:defRPr sz="1024"/>
+              <a:defRPr sz="1000"/>
             </a:lvl5pPr>
-            <a:lvl6pPr marL="2339439" indent="0">
+            <a:lvl6pPr marL="2286000" indent="0">
               <a:buNone/>
-              <a:defRPr sz="1024"/>
+              <a:defRPr sz="1000"/>
             </a:lvl6pPr>
-            <a:lvl7pPr marL="2807326" indent="0">
+            <a:lvl7pPr marL="2743200" indent="0">
               <a:buNone/>
-              <a:defRPr sz="1024"/>
+              <a:defRPr sz="1000"/>
             </a:lvl7pPr>
-            <a:lvl8pPr marL="3275213" indent="0">
+            <a:lvl8pPr marL="3200400" indent="0">
               <a:buNone/>
-              <a:defRPr sz="1024"/>
+              <a:defRPr sz="1000"/>
             </a:lvl8pPr>
-            <a:lvl9pPr marL="3743100" indent="0">
+            <a:lvl9pPr marL="3657600" indent="0">
               <a:buNone/>
-              <a:defRPr sz="1024"/>
+              <a:defRPr sz="1000"/>
             </a:lvl9pPr>
           </a:lstStyle>
           <a:p>
@@ -2362,7 +2362,7 @@
           <a:p>
             <a:fld id="{335A01E9-5263-49B0-BF31-C9D0821B9F5E}" type="datetimeFigureOut">
               <a:rPr lang="en-NL" smtClean="0"/>
-              <a:t>03/01/2025</a:t>
+              <a:t>09/01/2025</a:t>
             </a:fld>
             <a:endParaRPr lang="en-NL"/>
           </a:p>
@@ -2413,7 +2413,7 @@
     </p:spTree>
     <p:extLst>
       <p:ext uri="{BB962C8B-B14F-4D97-AF65-F5344CB8AC3E}">
-        <p14:creationId xmlns:p14="http://schemas.microsoft.com/office/powerpoint/2010/main" val="448291108"/>
+        <p14:creationId xmlns:p14="http://schemas.microsoft.com/office/powerpoint/2010/main" val="3237472865"/>
       </p:ext>
     </p:extLst>
   </p:cSld>
@@ -2457,8 +2457,8 @@
         </p:nvSpPr>
         <p:spPr>
           <a:xfrm>
-            <a:off x="952907" y="373753"/>
-            <a:ext cx="11954649" cy="1356861"/>
+            <a:off x="681038" y="365127"/>
+            <a:ext cx="8543925" cy="1325563"/>
           </a:xfrm>
           <a:prstGeom prst="rect">
             <a:avLst/>
@@ -2490,8 +2490,8 @@
         </p:nvSpPr>
         <p:spPr>
           <a:xfrm>
-            <a:off x="952907" y="1868730"/>
-            <a:ext cx="11954649" cy="4454078"/>
+            <a:off x="681038" y="1825625"/>
+            <a:ext cx="8543925" cy="4351338"/>
           </a:xfrm>
           <a:prstGeom prst="rect">
             <a:avLst/>
@@ -2552,8 +2552,8 @@
         </p:nvSpPr>
         <p:spPr>
           <a:xfrm>
-            <a:off x="952910" y="6506431"/>
-            <a:ext cx="3118604" cy="373746"/>
+            <a:off x="681038" y="6356352"/>
+            <a:ext cx="2228850" cy="365125"/>
           </a:xfrm>
           <a:prstGeom prst="rect">
             <a:avLst/>
@@ -2563,7 +2563,7 @@
           <a:bodyPr vert="horz" lIns="91440" tIns="45720" rIns="91440" bIns="45720" rtlCol="0" anchor="ctr"/>
           <a:lstStyle>
             <a:lvl1pPr algn="l">
-              <a:defRPr sz="1228">
+              <a:defRPr sz="1200">
                 <a:solidFill>
                   <a:schemeClr val="tx1">
                     <a:tint val="82000"/>
@@ -2575,7 +2575,7 @@
           <a:p>
             <a:fld id="{335A01E9-5263-49B0-BF31-C9D0821B9F5E}" type="datetimeFigureOut">
               <a:rPr lang="en-NL" smtClean="0"/>
-              <a:t>03/01/2025</a:t>
+              <a:t>09/01/2025</a:t>
             </a:fld>
             <a:endParaRPr lang="en-NL"/>
           </a:p>
@@ -2593,8 +2593,8 @@
         </p:nvSpPr>
         <p:spPr>
           <a:xfrm>
-            <a:off x="4591282" y="6506431"/>
-            <a:ext cx="4677906" cy="373746"/>
+            <a:off x="3281363" y="6356352"/>
+            <a:ext cx="3343275" cy="365125"/>
           </a:xfrm>
           <a:prstGeom prst="rect">
             <a:avLst/>
@@ -2604,7 +2604,7 @@
           <a:bodyPr vert="horz" lIns="91440" tIns="45720" rIns="91440" bIns="45720" rtlCol="0" anchor="ctr"/>
           <a:lstStyle>
             <a:lvl1pPr algn="ctr">
-              <a:defRPr sz="1228">
+              <a:defRPr sz="1200">
                 <a:solidFill>
                   <a:schemeClr val="tx1">
                     <a:tint val="82000"/>
@@ -2630,8 +2630,8 @@
         </p:nvSpPr>
         <p:spPr>
           <a:xfrm>
-            <a:off x="9788952" y="6506431"/>
-            <a:ext cx="3118604" cy="373746"/>
+            <a:off x="6996113" y="6356352"/>
+            <a:ext cx="2228850" cy="365125"/>
           </a:xfrm>
           <a:prstGeom prst="rect">
             <a:avLst/>
@@ -2641,7 +2641,7 @@
           <a:bodyPr vert="horz" lIns="91440" tIns="45720" rIns="91440" bIns="45720" rtlCol="0" anchor="ctr"/>
           <a:lstStyle>
             <a:lvl1pPr algn="r">
-              <a:defRPr sz="1228">
+              <a:defRPr sz="1200">
                 <a:solidFill>
                   <a:schemeClr val="tx1">
                     <a:tint val="82000"/>
@@ -2662,27 +2662,27 @@
     </p:spTree>
     <p:extLst>
       <p:ext uri="{BB962C8B-B14F-4D97-AF65-F5344CB8AC3E}">
-        <p14:creationId xmlns:p14="http://schemas.microsoft.com/office/powerpoint/2010/main" val="2918790852"/>
+        <p14:creationId xmlns:p14="http://schemas.microsoft.com/office/powerpoint/2010/main" val="1997767845"/>
       </p:ext>
     </p:extLst>
   </p:cSld>
   <p:clrMap bg1="lt1" tx1="dk1" bg2="lt2" tx2="dk2" accent1="accent1" accent2="accent2" accent3="accent3" accent4="accent4" accent5="accent5" accent6="accent6" hlink="hlink" folHlink="folHlink"/>
   <p:sldLayoutIdLst>
-    <p:sldLayoutId id="2147483685" r:id="rId1"/>
-    <p:sldLayoutId id="2147483686" r:id="rId2"/>
-    <p:sldLayoutId id="2147483687" r:id="rId3"/>
-    <p:sldLayoutId id="2147483688" r:id="rId4"/>
-    <p:sldLayoutId id="2147483689" r:id="rId5"/>
-    <p:sldLayoutId id="2147483690" r:id="rId6"/>
-    <p:sldLayoutId id="2147483691" r:id="rId7"/>
-    <p:sldLayoutId id="2147483692" r:id="rId8"/>
-    <p:sldLayoutId id="2147483693" r:id="rId9"/>
-    <p:sldLayoutId id="2147483694" r:id="rId10"/>
-    <p:sldLayoutId id="2147483695" r:id="rId11"/>
+    <p:sldLayoutId id="2147483697" r:id="rId1"/>
+    <p:sldLayoutId id="2147483698" r:id="rId2"/>
+    <p:sldLayoutId id="2147483699" r:id="rId3"/>
+    <p:sldLayoutId id="2147483700" r:id="rId4"/>
+    <p:sldLayoutId id="2147483701" r:id="rId5"/>
+    <p:sldLayoutId id="2147483702" r:id="rId6"/>
+    <p:sldLayoutId id="2147483703" r:id="rId7"/>
+    <p:sldLayoutId id="2147483704" r:id="rId8"/>
+    <p:sldLayoutId id="2147483705" r:id="rId9"/>
+    <p:sldLayoutId id="2147483706" r:id="rId10"/>
+    <p:sldLayoutId id="2147483707" r:id="rId11"/>
   </p:sldLayoutIdLst>
   <p:txStyles>
     <p:titleStyle>
-      <a:lvl1pPr algn="l" defTabSz="935775" rtl="0" eaLnBrk="1" latinLnBrk="0" hangingPunct="1">
+      <a:lvl1pPr algn="l" defTabSz="914400" rtl="0" eaLnBrk="1" latinLnBrk="0" hangingPunct="1">
         <a:lnSpc>
           <a:spcPct val="90000"/>
         </a:lnSpc>
@@ -2690,7 +2690,7 @@
           <a:spcPct val="0"/>
         </a:spcBef>
         <a:buNone/>
-        <a:defRPr sz="4504" kern="1200">
+        <a:defRPr sz="4400" kern="1200">
           <a:solidFill>
             <a:schemeClr val="tx1"/>
           </a:solidFill>
@@ -2701,16 +2701,16 @@
       </a:lvl1pPr>
     </p:titleStyle>
     <p:bodyStyle>
-      <a:lvl1pPr marL="233944" indent="-233944" algn="l" defTabSz="935775" rtl="0" eaLnBrk="1" latinLnBrk="0" hangingPunct="1">
+      <a:lvl1pPr marL="228600" indent="-228600" algn="l" defTabSz="914400" rtl="0" eaLnBrk="1" latinLnBrk="0" hangingPunct="1">
         <a:lnSpc>
           <a:spcPct val="90000"/>
         </a:lnSpc>
         <a:spcBef>
-          <a:spcPts val="1024"/>
+          <a:spcPts val="1000"/>
         </a:spcBef>
         <a:buFont typeface="Arial" panose="020B0604020202020204" pitchFamily="34" charset="0"/>
         <a:buChar char="•"/>
-        <a:defRPr sz="2863" kern="1200">
+        <a:defRPr sz="2800" kern="1200">
           <a:solidFill>
             <a:schemeClr val="tx1"/>
           </a:solidFill>
@@ -2719,16 +2719,16 @@
           <a:cs typeface="+mn-cs"/>
         </a:defRPr>
       </a:lvl1pPr>
-      <a:lvl2pPr marL="701831" indent="-233944" algn="l" defTabSz="935775" rtl="0" eaLnBrk="1" latinLnBrk="0" hangingPunct="1">
+      <a:lvl2pPr marL="685800" indent="-228600" algn="l" defTabSz="914400" rtl="0" eaLnBrk="1" latinLnBrk="0" hangingPunct="1">
         <a:lnSpc>
           <a:spcPct val="90000"/>
         </a:lnSpc>
         <a:spcBef>
-          <a:spcPts val="512"/>
+          <a:spcPts val="500"/>
         </a:spcBef>
         <a:buFont typeface="Arial" panose="020B0604020202020204" pitchFamily="34" charset="0"/>
         <a:buChar char="•"/>
-        <a:defRPr sz="2457" kern="1200">
+        <a:defRPr sz="2400" kern="1200">
           <a:solidFill>
             <a:schemeClr val="tx1"/>
           </a:solidFill>
@@ -2737,16 +2737,16 @@
           <a:cs typeface="+mn-cs"/>
         </a:defRPr>
       </a:lvl2pPr>
-      <a:lvl3pPr marL="1169718" indent="-233944" algn="l" defTabSz="935775" rtl="0" eaLnBrk="1" latinLnBrk="0" hangingPunct="1">
+      <a:lvl3pPr marL="1143000" indent="-228600" algn="l" defTabSz="914400" rtl="0" eaLnBrk="1" latinLnBrk="0" hangingPunct="1">
         <a:lnSpc>
           <a:spcPct val="90000"/>
         </a:lnSpc>
         <a:spcBef>
-          <a:spcPts val="512"/>
+          <a:spcPts val="500"/>
         </a:spcBef>
         <a:buFont typeface="Arial" panose="020B0604020202020204" pitchFamily="34" charset="0"/>
         <a:buChar char="•"/>
-        <a:defRPr sz="2047" kern="1200">
+        <a:defRPr sz="2000" kern="1200">
           <a:solidFill>
             <a:schemeClr val="tx1"/>
           </a:solidFill>
@@ -2755,16 +2755,16 @@
           <a:cs typeface="+mn-cs"/>
         </a:defRPr>
       </a:lvl3pPr>
-      <a:lvl4pPr marL="1637607" indent="-233944" algn="l" defTabSz="935775" rtl="0" eaLnBrk="1" latinLnBrk="0" hangingPunct="1">
+      <a:lvl4pPr marL="1600200" indent="-228600" algn="l" defTabSz="914400" rtl="0" eaLnBrk="1" latinLnBrk="0" hangingPunct="1">
         <a:lnSpc>
           <a:spcPct val="90000"/>
         </a:lnSpc>
         <a:spcBef>
-          <a:spcPts val="512"/>
+          <a:spcPts val="500"/>
         </a:spcBef>
         <a:buFont typeface="Arial" panose="020B0604020202020204" pitchFamily="34" charset="0"/>
         <a:buChar char="•"/>
-        <a:defRPr sz="1842" kern="1200">
+        <a:defRPr sz="1800" kern="1200">
           <a:solidFill>
             <a:schemeClr val="tx1"/>
           </a:solidFill>
@@ -2773,16 +2773,16 @@
           <a:cs typeface="+mn-cs"/>
         </a:defRPr>
       </a:lvl4pPr>
-      <a:lvl5pPr marL="2105493" indent="-233944" algn="l" defTabSz="935775" rtl="0" eaLnBrk="1" latinLnBrk="0" hangingPunct="1">
+      <a:lvl5pPr marL="2057400" indent="-228600" algn="l" defTabSz="914400" rtl="0" eaLnBrk="1" latinLnBrk="0" hangingPunct="1">
         <a:lnSpc>
           <a:spcPct val="90000"/>
         </a:lnSpc>
         <a:spcBef>
-          <a:spcPts val="512"/>
+          <a:spcPts val="500"/>
         </a:spcBef>
         <a:buFont typeface="Arial" panose="020B0604020202020204" pitchFamily="34" charset="0"/>
         <a:buChar char="•"/>
-        <a:defRPr sz="1842" kern="1200">
+        <a:defRPr sz="1800" kern="1200">
           <a:solidFill>
             <a:schemeClr val="tx1"/>
           </a:solidFill>
@@ -2791,16 +2791,16 @@
           <a:cs typeface="+mn-cs"/>
         </a:defRPr>
       </a:lvl5pPr>
-      <a:lvl6pPr marL="2573382" indent="-233944" algn="l" defTabSz="935775" rtl="0" eaLnBrk="1" latinLnBrk="0" hangingPunct="1">
+      <a:lvl6pPr marL="2514600" indent="-228600" algn="l" defTabSz="914400" rtl="0" eaLnBrk="1" latinLnBrk="0" hangingPunct="1">
         <a:lnSpc>
           <a:spcPct val="90000"/>
         </a:lnSpc>
         <a:spcBef>
-          <a:spcPts val="512"/>
+          <a:spcPts val="500"/>
         </a:spcBef>
         <a:buFont typeface="Arial" panose="020B0604020202020204" pitchFamily="34" charset="0"/>
         <a:buChar char="•"/>
-        <a:defRPr sz="1842" kern="1200">
+        <a:defRPr sz="1800" kern="1200">
           <a:solidFill>
             <a:schemeClr val="tx1"/>
           </a:solidFill>
@@ -2809,16 +2809,16 @@
           <a:cs typeface="+mn-cs"/>
         </a:defRPr>
       </a:lvl6pPr>
-      <a:lvl7pPr marL="3041270" indent="-233944" algn="l" defTabSz="935775" rtl="0" eaLnBrk="1" latinLnBrk="0" hangingPunct="1">
+      <a:lvl7pPr marL="2971800" indent="-228600" algn="l" defTabSz="914400" rtl="0" eaLnBrk="1" latinLnBrk="0" hangingPunct="1">
         <a:lnSpc>
           <a:spcPct val="90000"/>
         </a:lnSpc>
         <a:spcBef>
-          <a:spcPts val="512"/>
+          <a:spcPts val="500"/>
         </a:spcBef>
         <a:buFont typeface="Arial" panose="020B0604020202020204" pitchFamily="34" charset="0"/>
         <a:buChar char="•"/>
-        <a:defRPr sz="1842" kern="1200">
+        <a:defRPr sz="1800" kern="1200">
           <a:solidFill>
             <a:schemeClr val="tx1"/>
           </a:solidFill>
@@ -2827,16 +2827,16 @@
           <a:cs typeface="+mn-cs"/>
         </a:defRPr>
       </a:lvl7pPr>
-      <a:lvl8pPr marL="3509156" indent="-233944" algn="l" defTabSz="935775" rtl="0" eaLnBrk="1" latinLnBrk="0" hangingPunct="1">
+      <a:lvl8pPr marL="3429000" indent="-228600" algn="l" defTabSz="914400" rtl="0" eaLnBrk="1" latinLnBrk="0" hangingPunct="1">
         <a:lnSpc>
           <a:spcPct val="90000"/>
         </a:lnSpc>
         <a:spcBef>
-          <a:spcPts val="512"/>
+          <a:spcPts val="500"/>
         </a:spcBef>
         <a:buFont typeface="Arial" panose="020B0604020202020204" pitchFamily="34" charset="0"/>
         <a:buChar char="•"/>
-        <a:defRPr sz="1842" kern="1200">
+        <a:defRPr sz="1800" kern="1200">
           <a:solidFill>
             <a:schemeClr val="tx1"/>
           </a:solidFill>
@@ -2845,16 +2845,16 @@
           <a:cs typeface="+mn-cs"/>
         </a:defRPr>
       </a:lvl8pPr>
-      <a:lvl9pPr marL="3977044" indent="-233944" algn="l" defTabSz="935775" rtl="0" eaLnBrk="1" latinLnBrk="0" hangingPunct="1">
+      <a:lvl9pPr marL="3886200" indent="-228600" algn="l" defTabSz="914400" rtl="0" eaLnBrk="1" latinLnBrk="0" hangingPunct="1">
         <a:lnSpc>
           <a:spcPct val="90000"/>
         </a:lnSpc>
         <a:spcBef>
-          <a:spcPts val="512"/>
+          <a:spcPts val="500"/>
         </a:spcBef>
         <a:buFont typeface="Arial" panose="020B0604020202020204" pitchFamily="34" charset="0"/>
         <a:buChar char="•"/>
-        <a:defRPr sz="1842" kern="1200">
+        <a:defRPr sz="1800" kern="1200">
           <a:solidFill>
             <a:schemeClr val="tx1"/>
           </a:solidFill>
@@ -2868,8 +2868,8 @@
       <a:defPPr>
         <a:defRPr lang="en-US"/>
       </a:defPPr>
-      <a:lvl1pPr marL="0" algn="l" defTabSz="935775" rtl="0" eaLnBrk="1" latinLnBrk="0" hangingPunct="1">
-        <a:defRPr sz="1842" kern="1200">
+      <a:lvl1pPr marL="0" algn="l" defTabSz="914400" rtl="0" eaLnBrk="1" latinLnBrk="0" hangingPunct="1">
+        <a:defRPr sz="1800" kern="1200">
           <a:solidFill>
             <a:schemeClr val="tx1"/>
           </a:solidFill>
@@ -2878,8 +2878,8 @@
           <a:cs typeface="+mn-cs"/>
         </a:defRPr>
       </a:lvl1pPr>
-      <a:lvl2pPr marL="467888" algn="l" defTabSz="935775" rtl="0" eaLnBrk="1" latinLnBrk="0" hangingPunct="1">
-        <a:defRPr sz="1842" kern="1200">
+      <a:lvl2pPr marL="457200" algn="l" defTabSz="914400" rtl="0" eaLnBrk="1" latinLnBrk="0" hangingPunct="1">
+        <a:defRPr sz="1800" kern="1200">
           <a:solidFill>
             <a:schemeClr val="tx1"/>
           </a:solidFill>
@@ -2888,8 +2888,8 @@
           <a:cs typeface="+mn-cs"/>
         </a:defRPr>
       </a:lvl2pPr>
-      <a:lvl3pPr marL="935775" algn="l" defTabSz="935775" rtl="0" eaLnBrk="1" latinLnBrk="0" hangingPunct="1">
-        <a:defRPr sz="1842" kern="1200">
+      <a:lvl3pPr marL="914400" algn="l" defTabSz="914400" rtl="0" eaLnBrk="1" latinLnBrk="0" hangingPunct="1">
+        <a:defRPr sz="1800" kern="1200">
           <a:solidFill>
             <a:schemeClr val="tx1"/>
           </a:solidFill>
@@ -2898,8 +2898,8 @@
           <a:cs typeface="+mn-cs"/>
         </a:defRPr>
       </a:lvl3pPr>
-      <a:lvl4pPr marL="1403663" algn="l" defTabSz="935775" rtl="0" eaLnBrk="1" latinLnBrk="0" hangingPunct="1">
-        <a:defRPr sz="1842" kern="1200">
+      <a:lvl4pPr marL="1371600" algn="l" defTabSz="914400" rtl="0" eaLnBrk="1" latinLnBrk="0" hangingPunct="1">
+        <a:defRPr sz="1800" kern="1200">
           <a:solidFill>
             <a:schemeClr val="tx1"/>
           </a:solidFill>
@@ -2908,8 +2908,8 @@
           <a:cs typeface="+mn-cs"/>
         </a:defRPr>
       </a:lvl4pPr>
-      <a:lvl5pPr marL="1871550" algn="l" defTabSz="935775" rtl="0" eaLnBrk="1" latinLnBrk="0" hangingPunct="1">
-        <a:defRPr sz="1842" kern="1200">
+      <a:lvl5pPr marL="1828800" algn="l" defTabSz="914400" rtl="0" eaLnBrk="1" latinLnBrk="0" hangingPunct="1">
+        <a:defRPr sz="1800" kern="1200">
           <a:solidFill>
             <a:schemeClr val="tx1"/>
           </a:solidFill>
@@ -2918,8 +2918,8 @@
           <a:cs typeface="+mn-cs"/>
         </a:defRPr>
       </a:lvl5pPr>
-      <a:lvl6pPr marL="2339439" algn="l" defTabSz="935775" rtl="0" eaLnBrk="1" latinLnBrk="0" hangingPunct="1">
-        <a:defRPr sz="1842" kern="1200">
+      <a:lvl6pPr marL="2286000" algn="l" defTabSz="914400" rtl="0" eaLnBrk="1" latinLnBrk="0" hangingPunct="1">
+        <a:defRPr sz="1800" kern="1200">
           <a:solidFill>
             <a:schemeClr val="tx1"/>
           </a:solidFill>
@@ -2928,8 +2928,8 @@
           <a:cs typeface="+mn-cs"/>
         </a:defRPr>
       </a:lvl6pPr>
-      <a:lvl7pPr marL="2807326" algn="l" defTabSz="935775" rtl="0" eaLnBrk="1" latinLnBrk="0" hangingPunct="1">
-        <a:defRPr sz="1842" kern="1200">
+      <a:lvl7pPr marL="2743200" algn="l" defTabSz="914400" rtl="0" eaLnBrk="1" latinLnBrk="0" hangingPunct="1">
+        <a:defRPr sz="1800" kern="1200">
           <a:solidFill>
             <a:schemeClr val="tx1"/>
           </a:solidFill>
@@ -2938,8 +2938,8 @@
           <a:cs typeface="+mn-cs"/>
         </a:defRPr>
       </a:lvl7pPr>
-      <a:lvl8pPr marL="3275213" algn="l" defTabSz="935775" rtl="0" eaLnBrk="1" latinLnBrk="0" hangingPunct="1">
-        <a:defRPr sz="1842" kern="1200">
+      <a:lvl8pPr marL="3200400" algn="l" defTabSz="914400" rtl="0" eaLnBrk="1" latinLnBrk="0" hangingPunct="1">
+        <a:defRPr sz="1800" kern="1200">
           <a:solidFill>
             <a:schemeClr val="tx1"/>
           </a:solidFill>
@@ -2948,8 +2948,8 @@
           <a:cs typeface="+mn-cs"/>
         </a:defRPr>
       </a:lvl8pPr>
-      <a:lvl9pPr marL="3743100" algn="l" defTabSz="935775" rtl="0" eaLnBrk="1" latinLnBrk="0" hangingPunct="1">
-        <a:defRPr sz="1842" kern="1200">
+      <a:lvl9pPr marL="3657600" algn="l" defTabSz="914400" rtl="0" eaLnBrk="1" latinLnBrk="0" hangingPunct="1">
+        <a:defRPr sz="1800" kern="1200">
           <a:solidFill>
             <a:schemeClr val="tx1"/>
           </a:solidFill>
@@ -3000,7 +3000,7 @@
         </p:nvSpPr>
         <p:spPr>
           <a:xfrm>
-            <a:off x="4431811" y="817049"/>
+            <a:off x="2454580" y="736087"/>
             <a:ext cx="982050" cy="982050"/>
           </a:xfrm>
           <a:prstGeom prst="rect">
@@ -3054,7 +3054,7 @@
         </p:blipFill>
         <p:spPr>
           <a:xfrm>
-            <a:off x="6305847" y="1806192"/>
+            <a:off x="4328616" y="1725231"/>
             <a:ext cx="2670322" cy="542249"/>
           </a:xfrm>
           <a:prstGeom prst="rect">
@@ -3084,7 +3084,7 @@
         </p:blipFill>
         <p:spPr>
           <a:xfrm>
-            <a:off x="2113657" y="4437398"/>
+            <a:off x="136427" y="4356437"/>
             <a:ext cx="11516083" cy="3069319"/>
           </a:xfrm>
           <a:prstGeom prst="rect">
@@ -3114,7 +3114,7 @@
         </p:blipFill>
         <p:spPr>
           <a:xfrm>
-            <a:off x="1297470" y="192"/>
+            <a:off x="-679761" y="-80770"/>
             <a:ext cx="1166348" cy="4112909"/>
           </a:xfrm>
           <a:prstGeom prst="rect">
@@ -3136,7 +3136,7 @@
         </p:nvSpPr>
         <p:spPr>
           <a:xfrm>
-            <a:off x="6727590" y="420394"/>
+            <a:off x="4750360" y="339433"/>
             <a:ext cx="1371223" cy="418527"/>
           </a:xfrm>
           <a:prstGeom prst="rect">
@@ -3172,7 +3172,7 @@
         </p:nvSpPr>
         <p:spPr>
           <a:xfrm>
-            <a:off x="3010249" y="2120885"/>
+            <a:off x="1033019" y="2039924"/>
             <a:ext cx="773267" cy="773267"/>
           </a:xfrm>
           <a:prstGeom prst="rect">
@@ -3224,7 +3224,7 @@
         </p:nvSpPr>
         <p:spPr>
           <a:xfrm>
-            <a:off x="3106139" y="575994"/>
+            <a:off x="1128909" y="495033"/>
             <a:ext cx="773267" cy="773267"/>
           </a:xfrm>
           <a:prstGeom prst="rect">
@@ -3276,7 +3276,7 @@
         </p:nvSpPr>
         <p:spPr>
           <a:xfrm>
-            <a:off x="3010249" y="3218448"/>
+            <a:off x="1033019" y="3137487"/>
             <a:ext cx="773267" cy="773267"/>
           </a:xfrm>
           <a:prstGeom prst="rect">
@@ -3328,7 +3328,7 @@
         </p:nvSpPr>
         <p:spPr>
           <a:xfrm>
-            <a:off x="-5289317" y="-1068850"/>
+            <a:off x="-5289317" y="-1149812"/>
             <a:ext cx="3479706" cy="7152729"/>
           </a:xfrm>
           <a:prstGeom prst="rect">
@@ -3420,7 +3420,7 @@
         </p:nvSpPr>
         <p:spPr>
           <a:xfrm>
-            <a:off x="3510231" y="179963"/>
+            <a:off x="1533000" y="99001"/>
             <a:ext cx="3240000" cy="6660000"/>
           </a:xfrm>
           <a:prstGeom prst="rect">
@@ -3482,7 +3482,7 @@
         </p:nvSpPr>
         <p:spPr>
           <a:xfrm>
-            <a:off x="90231" y="179963"/>
+            <a:off x="-1887000" y="99001"/>
             <a:ext cx="3240000" cy="6660000"/>
           </a:xfrm>
           <a:prstGeom prst="rect">
@@ -3541,7 +3541,7 @@
         </p:nvSpPr>
         <p:spPr>
           <a:xfrm>
-            <a:off x="10350231" y="179963"/>
+            <a:off x="8373000" y="99001"/>
             <a:ext cx="3240000" cy="6660000"/>
           </a:xfrm>
           <a:prstGeom prst="rect">
@@ -3600,7 +3600,7 @@
         </p:nvSpPr>
         <p:spPr>
           <a:xfrm>
-            <a:off x="6930231" y="179963"/>
+            <a:off x="4953000" y="99001"/>
             <a:ext cx="3240000" cy="6660000"/>
           </a:xfrm>
           <a:prstGeom prst="rect">
@@ -3659,7 +3659,7 @@
         </p:nvSpPr>
         <p:spPr>
           <a:xfrm>
-            <a:off x="90231" y="6209962"/>
+            <a:off x="-1887000" y="6129000"/>
             <a:ext cx="810000" cy="630000"/>
           </a:xfrm>
           <a:prstGeom prst="rect">
@@ -3737,7 +3737,7 @@
         </p:blipFill>
         <p:spPr>
           <a:xfrm>
-            <a:off x="225234" y="6209962"/>
+            <a:off x="-1751997" y="6129000"/>
             <a:ext cx="540000" cy="540000"/>
           </a:xfrm>
           <a:prstGeom prst="rect">
@@ -3761,7 +3761,7 @@
         </p:nvSpPr>
         <p:spPr>
           <a:xfrm>
-            <a:off x="900231" y="6209962"/>
+            <a:off x="-1077000" y="6129000"/>
             <a:ext cx="810000" cy="630000"/>
           </a:xfrm>
           <a:prstGeom prst="rect">
@@ -3827,7 +3827,7 @@
         </p:nvSpPr>
         <p:spPr>
           <a:xfrm>
-            <a:off x="1710231" y="6209962"/>
+            <a:off x="-267000" y="6129000"/>
             <a:ext cx="810000" cy="630000"/>
           </a:xfrm>
           <a:prstGeom prst="rect">
@@ -3893,7 +3893,7 @@
         </p:nvSpPr>
         <p:spPr>
           <a:xfrm>
-            <a:off x="2520231" y="6209962"/>
+            <a:off x="543000" y="6129000"/>
             <a:ext cx="810000" cy="630000"/>
           </a:xfrm>
           <a:prstGeom prst="rect">
@@ -3959,7 +3959,7 @@
         </p:nvSpPr>
         <p:spPr>
           <a:xfrm>
-            <a:off x="2790234" y="179965"/>
+            <a:off x="813003" y="99003"/>
             <a:ext cx="540000" cy="540000"/>
           </a:xfrm>
           <a:prstGeom prst="rect">
@@ -4022,7 +4022,7 @@
         </p:nvSpPr>
         <p:spPr>
           <a:xfrm>
-            <a:off x="90231" y="179965"/>
+            <a:off x="-1887000" y="99003"/>
             <a:ext cx="2700000" cy="540000"/>
           </a:xfrm>
           <a:prstGeom prst="rect">
@@ -4099,7 +4099,7 @@
         </p:blipFill>
         <p:spPr>
           <a:xfrm>
-            <a:off x="1026853" y="6209962"/>
+            <a:off x="-950378" y="6129000"/>
             <a:ext cx="540000" cy="540000"/>
           </a:xfrm>
           <a:prstGeom prst="rect">
@@ -4135,7 +4135,7 @@
         </p:blipFill>
         <p:spPr>
           <a:xfrm>
-            <a:off x="1845231" y="6209962"/>
+            <a:off x="-132000" y="6129000"/>
             <a:ext cx="540000" cy="540000"/>
           </a:xfrm>
           <a:prstGeom prst="rect">
@@ -4159,7 +4159,7 @@
         </p:nvSpPr>
         <p:spPr>
           <a:xfrm>
-            <a:off x="2709231" y="6263962"/>
+            <a:off x="732000" y="6183000"/>
             <a:ext cx="432000" cy="432000"/>
           </a:xfrm>
           <a:custGeom>
@@ -4371,7 +4371,7 @@
         </p:blipFill>
         <p:spPr>
           <a:xfrm>
-            <a:off x="2837200" y="224962"/>
+            <a:off x="859969" y="144000"/>
             <a:ext cx="450000" cy="450000"/>
           </a:xfrm>
           <a:prstGeom prst="rect">
@@ -4395,7 +4395,7 @@
         </p:nvSpPr>
         <p:spPr>
           <a:xfrm>
-            <a:off x="3510228" y="6209962"/>
+            <a:off x="1532997" y="6129000"/>
             <a:ext cx="810000" cy="630000"/>
           </a:xfrm>
           <a:prstGeom prst="rect">
@@ -4473,7 +4473,7 @@
         </p:blipFill>
         <p:spPr>
           <a:xfrm>
-            <a:off x="3645231" y="6209962"/>
+            <a:off x="1668000" y="6129000"/>
             <a:ext cx="540000" cy="540000"/>
           </a:xfrm>
           <a:prstGeom prst="rect">
@@ -4497,7 +4497,7 @@
         </p:nvSpPr>
         <p:spPr>
           <a:xfrm>
-            <a:off x="4320228" y="6209962"/>
+            <a:off x="2342997" y="6129000"/>
             <a:ext cx="810000" cy="630000"/>
           </a:xfrm>
           <a:prstGeom prst="rect">
@@ -4563,7 +4563,7 @@
         </p:nvSpPr>
         <p:spPr>
           <a:xfrm>
-            <a:off x="5130228" y="6209962"/>
+            <a:off x="3152997" y="6129000"/>
             <a:ext cx="810000" cy="630000"/>
           </a:xfrm>
           <a:prstGeom prst="rect">
@@ -4629,7 +4629,7 @@
         </p:nvSpPr>
         <p:spPr>
           <a:xfrm>
-            <a:off x="5940228" y="6209962"/>
+            <a:off x="3962997" y="6129000"/>
             <a:ext cx="810000" cy="630000"/>
           </a:xfrm>
           <a:prstGeom prst="rect">
@@ -4695,7 +4695,7 @@
         </p:nvSpPr>
         <p:spPr>
           <a:xfrm>
-            <a:off x="6210231" y="179965"/>
+            <a:off x="4233000" y="99003"/>
             <a:ext cx="540000" cy="540000"/>
           </a:xfrm>
           <a:prstGeom prst="rect">
@@ -4758,7 +4758,7 @@
         </p:nvSpPr>
         <p:spPr>
           <a:xfrm>
-            <a:off x="3510228" y="179965"/>
+            <a:off x="1532997" y="99003"/>
             <a:ext cx="2700000" cy="540000"/>
           </a:xfrm>
           <a:prstGeom prst="rect">
@@ -4835,7 +4835,7 @@
         </p:blipFill>
         <p:spPr>
           <a:xfrm>
-            <a:off x="4446850" y="6209962"/>
+            <a:off x="2469619" y="6129000"/>
             <a:ext cx="540000" cy="540000"/>
           </a:xfrm>
           <a:prstGeom prst="rect">
@@ -4871,7 +4871,7 @@
         </p:blipFill>
         <p:spPr>
           <a:xfrm>
-            <a:off x="5265228" y="6209962"/>
+            <a:off x="3287997" y="6129000"/>
             <a:ext cx="540000" cy="540000"/>
           </a:xfrm>
           <a:prstGeom prst="rect">
@@ -4895,7 +4895,7 @@
         </p:nvSpPr>
         <p:spPr>
           <a:xfrm>
-            <a:off x="6129228" y="6263962"/>
+            <a:off x="4151997" y="6183000"/>
             <a:ext cx="432000" cy="432000"/>
           </a:xfrm>
           <a:custGeom>
@@ -5107,7 +5107,7 @@
         </p:blipFill>
         <p:spPr>
           <a:xfrm>
-            <a:off x="6257197" y="224962"/>
+            <a:off x="4279966" y="144000"/>
             <a:ext cx="450000" cy="450000"/>
           </a:xfrm>
           <a:prstGeom prst="rect">
@@ -5131,7 +5131,7 @@
         </p:nvSpPr>
         <p:spPr>
           <a:xfrm>
-            <a:off x="6930231" y="179962"/>
+            <a:off x="4953000" y="99000"/>
             <a:ext cx="3240000" cy="6660000"/>
           </a:xfrm>
           <a:prstGeom prst="rect">
@@ -5190,7 +5190,7 @@
         </p:nvSpPr>
         <p:spPr>
           <a:xfrm>
-            <a:off x="6930231" y="6209962"/>
+            <a:off x="4953000" y="6129000"/>
             <a:ext cx="810000" cy="630000"/>
           </a:xfrm>
           <a:prstGeom prst="rect">
@@ -5268,7 +5268,7 @@
         </p:blipFill>
         <p:spPr>
           <a:xfrm>
-            <a:off x="7065234" y="6209962"/>
+            <a:off x="5088003" y="6129000"/>
             <a:ext cx="540000" cy="540000"/>
           </a:xfrm>
           <a:prstGeom prst="rect">
@@ -5292,7 +5292,7 @@
         </p:nvSpPr>
         <p:spPr>
           <a:xfrm>
-            <a:off x="7740231" y="6209962"/>
+            <a:off x="5763000" y="6129000"/>
             <a:ext cx="810000" cy="630000"/>
           </a:xfrm>
           <a:prstGeom prst="rect">
@@ -5358,7 +5358,7 @@
         </p:nvSpPr>
         <p:spPr>
           <a:xfrm>
-            <a:off x="8550231" y="6209962"/>
+            <a:off x="6573000" y="6129000"/>
             <a:ext cx="810000" cy="630000"/>
           </a:xfrm>
           <a:prstGeom prst="rect">
@@ -5424,7 +5424,7 @@
         </p:nvSpPr>
         <p:spPr>
           <a:xfrm>
-            <a:off x="9360231" y="6209962"/>
+            <a:off x="7383000" y="6129000"/>
             <a:ext cx="810000" cy="630000"/>
           </a:xfrm>
           <a:prstGeom prst="rect">
@@ -5490,7 +5490,7 @@
         </p:nvSpPr>
         <p:spPr>
           <a:xfrm>
-            <a:off x="9630234" y="179965"/>
+            <a:off x="7653003" y="99003"/>
             <a:ext cx="540000" cy="540000"/>
           </a:xfrm>
           <a:prstGeom prst="rect">
@@ -5553,7 +5553,7 @@
         </p:nvSpPr>
         <p:spPr>
           <a:xfrm>
-            <a:off x="6930231" y="179965"/>
+            <a:off x="4953000" y="99003"/>
             <a:ext cx="2700000" cy="540000"/>
           </a:xfrm>
           <a:prstGeom prst="rect">
@@ -5630,7 +5630,7 @@
         </p:blipFill>
         <p:spPr>
           <a:xfrm>
-            <a:off x="7866853" y="6209962"/>
+            <a:off x="5889622" y="6129000"/>
             <a:ext cx="540000" cy="540000"/>
           </a:xfrm>
           <a:prstGeom prst="rect">
@@ -5666,7 +5666,7 @@
         </p:blipFill>
         <p:spPr>
           <a:xfrm>
-            <a:off x="8685231" y="6209962"/>
+            <a:off x="6708000" y="6129000"/>
             <a:ext cx="540000" cy="540000"/>
           </a:xfrm>
           <a:prstGeom prst="rect">
@@ -5690,7 +5690,7 @@
         </p:nvSpPr>
         <p:spPr>
           <a:xfrm>
-            <a:off x="9549231" y="6263962"/>
+            <a:off x="7572000" y="6183000"/>
             <a:ext cx="432000" cy="432000"/>
           </a:xfrm>
           <a:custGeom>
@@ -5902,7 +5902,7 @@
         </p:blipFill>
         <p:spPr>
           <a:xfrm>
-            <a:off x="9677200" y="224962"/>
+            <a:off x="7699969" y="144000"/>
             <a:ext cx="450000" cy="450000"/>
           </a:xfrm>
           <a:prstGeom prst="rect">
@@ -5926,7 +5926,7 @@
         </p:nvSpPr>
         <p:spPr>
           <a:xfrm>
-            <a:off x="10350228" y="179963"/>
+            <a:off x="8372997" y="99001"/>
             <a:ext cx="3240000" cy="6660000"/>
           </a:xfrm>
           <a:prstGeom prst="rect">
@@ -5985,7 +5985,7 @@
         </p:nvSpPr>
         <p:spPr>
           <a:xfrm>
-            <a:off x="10350231" y="179963"/>
+            <a:off x="8373000" y="99001"/>
             <a:ext cx="3240000" cy="6660000"/>
           </a:xfrm>
           <a:prstGeom prst="rect">
@@ -6044,7 +6044,7 @@
         </p:nvSpPr>
         <p:spPr>
           <a:xfrm>
-            <a:off x="10350228" y="6209962"/>
+            <a:off x="8372997" y="6129000"/>
             <a:ext cx="810000" cy="630000"/>
           </a:xfrm>
           <a:prstGeom prst="rect">
@@ -6122,7 +6122,7 @@
         </p:blipFill>
         <p:spPr>
           <a:xfrm>
-            <a:off x="10485231" y="6209962"/>
+            <a:off x="8508000" y="6129000"/>
             <a:ext cx="540000" cy="540000"/>
           </a:xfrm>
           <a:prstGeom prst="rect">
@@ -6146,7 +6146,7 @@
         </p:nvSpPr>
         <p:spPr>
           <a:xfrm>
-            <a:off x="11160228" y="6209962"/>
+            <a:off x="9182997" y="6129000"/>
             <a:ext cx="810000" cy="630000"/>
           </a:xfrm>
           <a:prstGeom prst="rect">
@@ -6212,7 +6212,7 @@
         </p:nvSpPr>
         <p:spPr>
           <a:xfrm>
-            <a:off x="11970228" y="6209962"/>
+            <a:off x="9992997" y="6129000"/>
             <a:ext cx="810000" cy="630000"/>
           </a:xfrm>
           <a:prstGeom prst="rect">
@@ -6278,7 +6278,7 @@
         </p:nvSpPr>
         <p:spPr>
           <a:xfrm>
-            <a:off x="12780228" y="6209962"/>
+            <a:off x="10802997" y="6129000"/>
             <a:ext cx="810000" cy="630000"/>
           </a:xfrm>
           <a:prstGeom prst="rect">
@@ -6344,7 +6344,7 @@
         </p:nvSpPr>
         <p:spPr>
           <a:xfrm>
-            <a:off x="13050231" y="179965"/>
+            <a:off x="11073000" y="99003"/>
             <a:ext cx="540000" cy="540000"/>
           </a:xfrm>
           <a:prstGeom prst="rect">
@@ -6407,7 +6407,7 @@
         </p:nvSpPr>
         <p:spPr>
           <a:xfrm>
-            <a:off x="10350228" y="179965"/>
+            <a:off x="8372997" y="99003"/>
             <a:ext cx="2700000" cy="540000"/>
           </a:xfrm>
           <a:prstGeom prst="rect">
@@ -6484,7 +6484,7 @@
         </p:blipFill>
         <p:spPr>
           <a:xfrm>
-            <a:off x="11286850" y="6209962"/>
+            <a:off x="9309619" y="6129000"/>
             <a:ext cx="540000" cy="540000"/>
           </a:xfrm>
           <a:prstGeom prst="rect">
@@ -6520,7 +6520,7 @@
         </p:blipFill>
         <p:spPr>
           <a:xfrm>
-            <a:off x="12105228" y="6209962"/>
+            <a:off x="10127997" y="6129000"/>
             <a:ext cx="540000" cy="540000"/>
           </a:xfrm>
           <a:prstGeom prst="rect">
@@ -6544,7 +6544,7 @@
         </p:nvSpPr>
         <p:spPr>
           <a:xfrm>
-            <a:off x="12969228" y="6263962"/>
+            <a:off x="10991997" y="6183000"/>
             <a:ext cx="432000" cy="432000"/>
           </a:xfrm>
           <a:custGeom>
@@ -6756,7 +6756,7 @@
         </p:blipFill>
         <p:spPr>
           <a:xfrm>
-            <a:off x="13097197" y="224962"/>
+            <a:off x="11119966" y="144000"/>
             <a:ext cx="450000" cy="450000"/>
           </a:xfrm>
           <a:prstGeom prst="rect">
@@ -6778,7 +6778,7 @@
         </p:nvSpPr>
         <p:spPr>
           <a:xfrm>
-            <a:off x="810231" y="1349962"/>
+            <a:off x="-1167000" y="1269000"/>
             <a:ext cx="1800000" cy="540000"/>
           </a:xfrm>
           <a:prstGeom prst="rect">
@@ -6860,7 +6860,7 @@
         </p:nvSpPr>
         <p:spPr>
           <a:xfrm>
-            <a:off x="270231" y="1349962"/>
+            <a:off x="-1707000" y="1269000"/>
             <a:ext cx="540000" cy="540000"/>
           </a:xfrm>
           <a:prstGeom prst="rect">
@@ -6951,7 +6951,7 @@
         </p:nvSpPr>
         <p:spPr>
           <a:xfrm>
-            <a:off x="810231" y="2069962"/>
+            <a:off x="-1167000" y="1989000"/>
             <a:ext cx="1800000" cy="540000"/>
           </a:xfrm>
           <a:prstGeom prst="rect">
@@ -7033,7 +7033,7 @@
         </p:nvSpPr>
         <p:spPr>
           <a:xfrm>
-            <a:off x="270231" y="2069962"/>
+            <a:off x="-1707000" y="1989000"/>
             <a:ext cx="540000" cy="540000"/>
           </a:xfrm>
           <a:prstGeom prst="rect">
@@ -7114,7 +7114,7 @@
         </p:nvSpPr>
         <p:spPr>
           <a:xfrm>
-            <a:off x="810231" y="2789962"/>
+            <a:off x="-1167000" y="2709000"/>
             <a:ext cx="1800000" cy="540000"/>
           </a:xfrm>
           <a:prstGeom prst="rect">
@@ -7196,7 +7196,7 @@
         </p:nvSpPr>
         <p:spPr>
           <a:xfrm>
-            <a:off x="270231" y="2789962"/>
+            <a:off x="-1707000" y="2709000"/>
             <a:ext cx="540000" cy="540000"/>
           </a:xfrm>
           <a:prstGeom prst="rect">
@@ -7277,7 +7277,7 @@
         </p:nvSpPr>
         <p:spPr>
           <a:xfrm>
-            <a:off x="6129228" y="5597962"/>
+            <a:off x="4151997" y="5517000"/>
             <a:ext cx="432000" cy="432000"/>
           </a:xfrm>
           <a:prstGeom prst="ellipse">
@@ -7344,7 +7344,7 @@
         </p:nvSpPr>
         <p:spPr>
           <a:xfrm>
-            <a:off x="2610231" y="1349962"/>
+            <a:off x="633000" y="1269000"/>
             <a:ext cx="540000" cy="540000"/>
           </a:xfrm>
           <a:prstGeom prst="rect">
@@ -7442,7 +7442,7 @@
         </p:blipFill>
         <p:spPr>
           <a:xfrm>
-            <a:off x="2700230" y="1348784"/>
+            <a:off x="722999" y="1267822"/>
             <a:ext cx="360000" cy="360000"/>
           </a:xfrm>
           <a:prstGeom prst="rect">
@@ -7464,7 +7464,7 @@
         </p:nvSpPr>
         <p:spPr>
           <a:xfrm>
-            <a:off x="2610231" y="2069962"/>
+            <a:off x="633000" y="1989000"/>
             <a:ext cx="540000" cy="540000"/>
           </a:xfrm>
           <a:prstGeom prst="rect">
@@ -7562,7 +7562,7 @@
         </p:blipFill>
         <p:spPr>
           <a:xfrm>
-            <a:off x="2700230" y="2069962"/>
+            <a:off x="722999" y="1989000"/>
             <a:ext cx="360000" cy="360000"/>
           </a:xfrm>
           <a:prstGeom prst="rect">
@@ -7584,7 +7584,7 @@
         </p:nvSpPr>
         <p:spPr>
           <a:xfrm>
-            <a:off x="2610231" y="2789962"/>
+            <a:off x="633000" y="2709000"/>
             <a:ext cx="540000" cy="540000"/>
           </a:xfrm>
           <a:prstGeom prst="rect">
@@ -7682,7 +7682,7 @@
         </p:blipFill>
         <p:spPr>
           <a:xfrm>
-            <a:off x="2700230" y="2788784"/>
+            <a:off x="722999" y="2707822"/>
             <a:ext cx="360000" cy="360000"/>
           </a:xfrm>
           <a:prstGeom prst="rect">
@@ -7704,7 +7704,7 @@
         </p:nvSpPr>
         <p:spPr>
           <a:xfrm>
-            <a:off x="3618231" y="5597962"/>
+            <a:off x="1641000" y="5517000"/>
             <a:ext cx="432000" cy="432000"/>
           </a:xfrm>
           <a:prstGeom prst="ellipse">
@@ -7771,7 +7771,7 @@
         </p:nvSpPr>
         <p:spPr>
           <a:xfrm>
-            <a:off x="6138231" y="917962"/>
+            <a:off x="4161000" y="837000"/>
             <a:ext cx="432000" cy="432000"/>
           </a:xfrm>
           <a:prstGeom prst="ellipse">
@@ -7838,7 +7838,7 @@
         </p:nvSpPr>
         <p:spPr>
           <a:xfrm>
-            <a:off x="3510231" y="6929962"/>
+            <a:off x="1533000" y="6849000"/>
             <a:ext cx="3240000" cy="738664"/>
           </a:xfrm>
           <a:prstGeom prst="rect">
@@ -7878,7 +7878,7 @@
         </p:nvSpPr>
         <p:spPr>
           <a:xfrm>
-            <a:off x="3618231" y="917962"/>
+            <a:off x="1641000" y="837000"/>
             <a:ext cx="432000" cy="432000"/>
           </a:xfrm>
           <a:prstGeom prst="ellipse">
@@ -7945,7 +7945,7 @@
         </p:nvSpPr>
         <p:spPr>
           <a:xfrm>
-            <a:off x="7110231" y="1366742"/>
+            <a:off x="5133000" y="1285780"/>
             <a:ext cx="540000" cy="540000"/>
           </a:xfrm>
           <a:prstGeom prst="rect">
@@ -8016,7 +8016,7 @@
         </p:nvSpPr>
         <p:spPr>
           <a:xfrm>
-            <a:off x="7650231" y="1366742"/>
+            <a:off x="5673000" y="1285780"/>
             <a:ext cx="2340000" cy="540000"/>
           </a:xfrm>
           <a:prstGeom prst="rect">
@@ -8106,7 +8106,7 @@
         </p:nvSpPr>
         <p:spPr>
           <a:xfrm>
-            <a:off x="7110231" y="2086742"/>
+            <a:off x="5133000" y="2005780"/>
             <a:ext cx="540000" cy="540000"/>
           </a:xfrm>
           <a:prstGeom prst="rect">
@@ -8181,7 +8181,7 @@
         </p:blipFill>
         <p:spPr>
           <a:xfrm>
-            <a:off x="7110231" y="2086742"/>
+            <a:off x="5133000" y="2005780"/>
             <a:ext cx="540000" cy="540000"/>
           </a:xfrm>
           <a:prstGeom prst="rect">
@@ -8203,7 +8203,7 @@
         </p:nvSpPr>
         <p:spPr>
           <a:xfrm>
-            <a:off x="7830231" y="2086742"/>
+            <a:off x="5853000" y="2005780"/>
             <a:ext cx="540000" cy="540000"/>
           </a:xfrm>
           <a:prstGeom prst="rect">
@@ -8264,7 +8264,7 @@
         </p:nvSpPr>
         <p:spPr>
           <a:xfrm>
-            <a:off x="8550231" y="2086742"/>
+            <a:off x="6573000" y="2005780"/>
             <a:ext cx="540000" cy="540000"/>
           </a:xfrm>
           <a:prstGeom prst="rect">
@@ -8325,7 +8325,7 @@
         </p:nvSpPr>
         <p:spPr>
           <a:xfrm>
-            <a:off x="9270231" y="2086742"/>
+            <a:off x="7293000" y="2005780"/>
             <a:ext cx="540000" cy="540000"/>
           </a:xfrm>
           <a:prstGeom prst="rect">
@@ -8400,7 +8400,7 @@
         </p:blipFill>
         <p:spPr>
           <a:xfrm rot="5400000">
-            <a:off x="7830231" y="2086742"/>
+            <a:off x="5853000" y="2005780"/>
             <a:ext cx="540000" cy="540000"/>
           </a:xfrm>
           <a:prstGeom prst="rect">
@@ -8422,7 +8422,7 @@
         </p:nvSpPr>
         <p:spPr>
           <a:xfrm>
-            <a:off x="7110231" y="2806742"/>
+            <a:off x="5133000" y="2725780"/>
             <a:ext cx="540000" cy="540000"/>
           </a:xfrm>
           <a:prstGeom prst="rect">
@@ -8493,7 +8493,7 @@
         </p:nvSpPr>
         <p:spPr>
           <a:xfrm>
-            <a:off x="7650231" y="2806742"/>
+            <a:off x="5673000" y="2725780"/>
             <a:ext cx="2340000" cy="540000"/>
           </a:xfrm>
           <a:prstGeom prst="rect">
@@ -8573,7 +8573,7 @@
         </p:nvSpPr>
         <p:spPr>
           <a:xfrm>
-            <a:off x="7110231" y="3526742"/>
+            <a:off x="5133000" y="3445780"/>
             <a:ext cx="540000" cy="540000"/>
           </a:xfrm>
           <a:prstGeom prst="rect">
@@ -8644,7 +8644,7 @@
         </p:nvSpPr>
         <p:spPr>
           <a:xfrm>
-            <a:off x="7830231" y="3526742"/>
+            <a:off x="5853000" y="3445780"/>
             <a:ext cx="540000" cy="540000"/>
           </a:xfrm>
           <a:prstGeom prst="rect">
@@ -8715,7 +8715,7 @@
         </p:nvSpPr>
         <p:spPr>
           <a:xfrm>
-            <a:off x="8550231" y="3526742"/>
+            <a:off x="6573000" y="3445780"/>
             <a:ext cx="540000" cy="540000"/>
           </a:xfrm>
           <a:prstGeom prst="rect">
@@ -8786,7 +8786,7 @@
         </p:nvSpPr>
         <p:spPr>
           <a:xfrm>
-            <a:off x="9270231" y="3526742"/>
+            <a:off x="7293000" y="3445780"/>
             <a:ext cx="540000" cy="540000"/>
           </a:xfrm>
           <a:prstGeom prst="rect">
@@ -8859,7 +8859,7 @@
         </p:nvSpPr>
         <p:spPr>
           <a:xfrm>
-            <a:off x="9450231" y="1366742"/>
+            <a:off x="7473000" y="1285780"/>
             <a:ext cx="540000" cy="540000"/>
           </a:xfrm>
           <a:prstGeom prst="rect">
@@ -8934,7 +8934,7 @@
         </p:blipFill>
         <p:spPr>
           <a:xfrm>
-            <a:off x="9497197" y="1411739"/>
+            <a:off x="7519966" y="1330777"/>
             <a:ext cx="450000" cy="450000"/>
           </a:xfrm>
           <a:prstGeom prst="rect">
@@ -8958,7 +8958,7 @@
         </p:nvSpPr>
         <p:spPr>
           <a:xfrm>
-            <a:off x="9450231" y="2806742"/>
+            <a:off x="7473000" y="2725780"/>
             <a:ext cx="540000" cy="540000"/>
           </a:xfrm>
           <a:prstGeom prst="rect">
@@ -9033,7 +9033,7 @@
         </p:blipFill>
         <p:spPr>
           <a:xfrm>
-            <a:off x="9497197" y="2851739"/>
+            <a:off x="7519966" y="2770777"/>
             <a:ext cx="450000" cy="450000"/>
           </a:xfrm>
           <a:prstGeom prst="rect">
@@ -9055,7 +9055,7 @@
         </p:nvSpPr>
         <p:spPr>
           <a:xfrm>
-            <a:off x="7110231" y="4246742"/>
+            <a:off x="5133000" y="4165780"/>
             <a:ext cx="540000" cy="540000"/>
           </a:xfrm>
           <a:prstGeom prst="rect">
@@ -9126,7 +9126,7 @@
         </p:nvSpPr>
         <p:spPr>
           <a:xfrm>
-            <a:off x="7650231" y="4246742"/>
+            <a:off x="5673000" y="4165780"/>
             <a:ext cx="2340000" cy="540000"/>
           </a:xfrm>
           <a:prstGeom prst="rect">
@@ -9206,7 +9206,7 @@
         </p:nvSpPr>
         <p:spPr>
           <a:xfrm>
-            <a:off x="7110231" y="4966742"/>
+            <a:off x="5133000" y="4885780"/>
             <a:ext cx="540000" cy="540000"/>
           </a:xfrm>
           <a:prstGeom prst="rect">
@@ -9277,7 +9277,7 @@
         </p:nvSpPr>
         <p:spPr>
           <a:xfrm>
-            <a:off x="7830231" y="4966742"/>
+            <a:off x="5853000" y="4885780"/>
             <a:ext cx="540000" cy="540000"/>
           </a:xfrm>
           <a:prstGeom prst="rect">
@@ -9338,7 +9338,7 @@
         </p:nvSpPr>
         <p:spPr>
           <a:xfrm>
-            <a:off x="8550231" y="4966742"/>
+            <a:off x="6573000" y="4885780"/>
             <a:ext cx="540000" cy="540000"/>
           </a:xfrm>
           <a:prstGeom prst="rect">
@@ -9399,7 +9399,7 @@
         </p:nvSpPr>
         <p:spPr>
           <a:xfrm>
-            <a:off x="9270231" y="4966742"/>
+            <a:off x="7293000" y="4885780"/>
             <a:ext cx="540000" cy="540000"/>
           </a:xfrm>
           <a:prstGeom prst="rect">
@@ -9462,7 +9462,7 @@
         </p:nvSpPr>
         <p:spPr>
           <a:xfrm>
-            <a:off x="9450231" y="4246742"/>
+            <a:off x="7473000" y="4165780"/>
             <a:ext cx="540000" cy="540000"/>
           </a:xfrm>
           <a:prstGeom prst="rect">
@@ -9537,7 +9537,7 @@
         </p:blipFill>
         <p:spPr>
           <a:xfrm>
-            <a:off x="9497197" y="4291739"/>
+            <a:off x="7519966" y="4210777"/>
             <a:ext cx="450000" cy="450000"/>
           </a:xfrm>
           <a:prstGeom prst="rect">
@@ -9597,7 +9597,7 @@
         </p:nvSpPr>
         <p:spPr>
           <a:xfrm>
-            <a:off x="90231" y="179963"/>
+            <a:off x="-1887000" y="99001"/>
             <a:ext cx="3240000" cy="6660000"/>
           </a:xfrm>
           <a:prstGeom prst="rect">
@@ -9656,7 +9656,7 @@
         </p:nvSpPr>
         <p:spPr>
           <a:xfrm>
-            <a:off x="90231" y="6209962"/>
+            <a:off x="-1887000" y="6129000"/>
             <a:ext cx="810000" cy="630000"/>
           </a:xfrm>
           <a:prstGeom prst="rect">
@@ -9734,7 +9734,7 @@
         </p:blipFill>
         <p:spPr>
           <a:xfrm>
-            <a:off x="225234" y="6209962"/>
+            <a:off x="-1751997" y="6129000"/>
             <a:ext cx="540000" cy="540000"/>
           </a:xfrm>
           <a:prstGeom prst="rect">
@@ -9758,7 +9758,7 @@
         </p:nvSpPr>
         <p:spPr>
           <a:xfrm>
-            <a:off x="900231" y="6209962"/>
+            <a:off x="-1077000" y="6129000"/>
             <a:ext cx="810000" cy="630000"/>
           </a:xfrm>
           <a:prstGeom prst="rect">
@@ -9824,7 +9824,7 @@
         </p:nvSpPr>
         <p:spPr>
           <a:xfrm>
-            <a:off x="1710231" y="6209962"/>
+            <a:off x="-267000" y="6129000"/>
             <a:ext cx="810000" cy="630000"/>
           </a:xfrm>
           <a:prstGeom prst="rect">
@@ -9890,7 +9890,7 @@
         </p:nvSpPr>
         <p:spPr>
           <a:xfrm>
-            <a:off x="2520231" y="6209962"/>
+            <a:off x="543000" y="6129000"/>
             <a:ext cx="810000" cy="630000"/>
           </a:xfrm>
           <a:prstGeom prst="rect">
@@ -9956,7 +9956,7 @@
         </p:nvSpPr>
         <p:spPr>
           <a:xfrm>
-            <a:off x="2790234" y="179965"/>
+            <a:off x="813003" y="99003"/>
             <a:ext cx="540000" cy="540000"/>
           </a:xfrm>
           <a:prstGeom prst="rect">
@@ -10019,7 +10019,7 @@
         </p:nvSpPr>
         <p:spPr>
           <a:xfrm>
-            <a:off x="90231" y="179965"/>
+            <a:off x="-1887000" y="99003"/>
             <a:ext cx="2700000" cy="540000"/>
           </a:xfrm>
           <a:prstGeom prst="rect">
@@ -10096,7 +10096,7 @@
         </p:blipFill>
         <p:spPr>
           <a:xfrm>
-            <a:off x="1026853" y="6209962"/>
+            <a:off x="-950378" y="6129000"/>
             <a:ext cx="540000" cy="540000"/>
           </a:xfrm>
           <a:prstGeom prst="rect">
@@ -10132,7 +10132,7 @@
         </p:blipFill>
         <p:spPr>
           <a:xfrm>
-            <a:off x="1845231" y="6209962"/>
+            <a:off x="-132000" y="6129000"/>
             <a:ext cx="540000" cy="540000"/>
           </a:xfrm>
           <a:prstGeom prst="rect">
@@ -10156,7 +10156,7 @@
         </p:nvSpPr>
         <p:spPr>
           <a:xfrm>
-            <a:off x="2709231" y="6263962"/>
+            <a:off x="732000" y="6183000"/>
             <a:ext cx="432000" cy="432000"/>
           </a:xfrm>
           <a:custGeom>
@@ -10368,7 +10368,7 @@
         </p:blipFill>
         <p:spPr>
           <a:xfrm>
-            <a:off x="2837200" y="224962"/>
+            <a:off x="859969" y="144000"/>
             <a:ext cx="450000" cy="450000"/>
           </a:xfrm>
           <a:prstGeom prst="rect">
@@ -10390,7 +10390,7 @@
         </p:nvSpPr>
         <p:spPr>
           <a:xfrm>
-            <a:off x="810231" y="1349962"/>
+            <a:off x="-1167000" y="1269000"/>
             <a:ext cx="1800000" cy="540000"/>
           </a:xfrm>
           <a:prstGeom prst="rect">
@@ -10472,7 +10472,7 @@
         </p:nvSpPr>
         <p:spPr>
           <a:xfrm>
-            <a:off x="270231" y="1349962"/>
+            <a:off x="-1707000" y="1269000"/>
             <a:ext cx="540000" cy="540000"/>
           </a:xfrm>
           <a:prstGeom prst="rect">
@@ -10563,7 +10563,7 @@
         </p:nvSpPr>
         <p:spPr>
           <a:xfrm>
-            <a:off x="810231" y="2069962"/>
+            <a:off x="-1167000" y="1989000"/>
             <a:ext cx="1800000" cy="540000"/>
           </a:xfrm>
           <a:prstGeom prst="rect">
@@ -10645,7 +10645,7 @@
         </p:nvSpPr>
         <p:spPr>
           <a:xfrm>
-            <a:off x="270231" y="2069962"/>
+            <a:off x="-1707000" y="1989000"/>
             <a:ext cx="540000" cy="540000"/>
           </a:xfrm>
           <a:prstGeom prst="rect">
@@ -10726,7 +10726,7 @@
         </p:nvSpPr>
         <p:spPr>
           <a:xfrm>
-            <a:off x="810231" y="2789962"/>
+            <a:off x="-1167000" y="2709000"/>
             <a:ext cx="1800000" cy="540000"/>
           </a:xfrm>
           <a:prstGeom prst="rect">
@@ -10808,7 +10808,7 @@
         </p:nvSpPr>
         <p:spPr>
           <a:xfrm>
-            <a:off x="270231" y="2789962"/>
+            <a:off x="-1707000" y="2709000"/>
             <a:ext cx="540000" cy="540000"/>
           </a:xfrm>
           <a:prstGeom prst="rect">
@@ -10889,7 +10889,7 @@
         </p:nvSpPr>
         <p:spPr>
           <a:xfrm>
-            <a:off x="2610231" y="1349962"/>
+            <a:off x="633000" y="1269000"/>
             <a:ext cx="540000" cy="540000"/>
           </a:xfrm>
           <a:prstGeom prst="rect">
@@ -10987,7 +10987,7 @@
         </p:blipFill>
         <p:spPr>
           <a:xfrm>
-            <a:off x="2700230" y="1348784"/>
+            <a:off x="722999" y="1267822"/>
             <a:ext cx="360000" cy="360000"/>
           </a:xfrm>
           <a:prstGeom prst="rect">
@@ -11009,7 +11009,7 @@
         </p:nvSpPr>
         <p:spPr>
           <a:xfrm>
-            <a:off x="2610231" y="2069962"/>
+            <a:off x="633000" y="1989000"/>
             <a:ext cx="540000" cy="540000"/>
           </a:xfrm>
           <a:prstGeom prst="rect">
@@ -11107,7 +11107,7 @@
         </p:blipFill>
         <p:spPr>
           <a:xfrm>
-            <a:off x="2700230" y="2069962"/>
+            <a:off x="722999" y="1989000"/>
             <a:ext cx="360000" cy="360000"/>
           </a:xfrm>
           <a:prstGeom prst="rect">
@@ -11129,7 +11129,7 @@
         </p:nvSpPr>
         <p:spPr>
           <a:xfrm>
-            <a:off x="2610231" y="2789962"/>
+            <a:off x="633000" y="2709000"/>
             <a:ext cx="540000" cy="540000"/>
           </a:xfrm>
           <a:prstGeom prst="rect">
@@ -11227,7 +11227,7 @@
         </p:blipFill>
         <p:spPr>
           <a:xfrm>
-            <a:off x="2700230" y="2788784"/>
+            <a:off x="722999" y="2707822"/>
             <a:ext cx="360000" cy="360000"/>
           </a:xfrm>
           <a:prstGeom prst="rect">
@@ -11249,7 +11249,7 @@
         </p:nvSpPr>
         <p:spPr>
           <a:xfrm>
-            <a:off x="3695311" y="269962"/>
+            <a:off x="1718080" y="189000"/>
             <a:ext cx="2880000" cy="2880000"/>
           </a:xfrm>
           <a:prstGeom prst="rect">
@@ -11305,7 +11305,7 @@
         </p:nvSpPr>
         <p:spPr>
           <a:xfrm>
-            <a:off x="5220231" y="2609962"/>
+            <a:off x="3243000" y="2529000"/>
             <a:ext cx="1170000" cy="360000"/>
           </a:xfrm>
           <a:prstGeom prst="rect">
@@ -11376,7 +11376,7 @@
         </p:nvSpPr>
         <p:spPr>
           <a:xfrm>
-            <a:off x="3870231" y="449962"/>
+            <a:off x="1893000" y="369000"/>
             <a:ext cx="2520000" cy="360000"/>
           </a:xfrm>
           <a:prstGeom prst="rect">
@@ -11434,7 +11434,7 @@
         </p:nvSpPr>
         <p:spPr>
           <a:xfrm>
-            <a:off x="3870231" y="2609962"/>
+            <a:off x="1893000" y="2529000"/>
             <a:ext cx="1170000" cy="360000"/>
           </a:xfrm>
           <a:prstGeom prst="rect">
@@ -11505,7 +11505,7 @@
         </p:nvSpPr>
         <p:spPr>
           <a:xfrm>
-            <a:off x="6390231" y="89962"/>
+            <a:off x="4413000" y="9000"/>
             <a:ext cx="360000" cy="360000"/>
           </a:xfrm>
           <a:prstGeom prst="ellipse">
@@ -11576,7 +11576,7 @@
         </p:nvCxnSpPr>
         <p:spPr>
           <a:xfrm>
-            <a:off x="3330234" y="449965"/>
+            <a:off x="1353004" y="369004"/>
             <a:ext cx="365077" cy="1259997"/>
           </a:xfrm>
           <a:prstGeom prst="straightConnector1">
@@ -11618,7 +11618,7 @@
         </p:nvSpPr>
         <p:spPr>
           <a:xfrm>
-            <a:off x="6930231" y="269962"/>
+            <a:off x="4953000" y="189000"/>
             <a:ext cx="2880000" cy="2880000"/>
           </a:xfrm>
           <a:prstGeom prst="rect">
@@ -11674,7 +11674,7 @@
         </p:nvSpPr>
         <p:spPr>
           <a:xfrm>
-            <a:off x="8455151" y="2609962"/>
+            <a:off x="6477920" y="2529000"/>
             <a:ext cx="1170000" cy="360000"/>
           </a:xfrm>
           <a:prstGeom prst="rect">
@@ -11745,7 +11745,7 @@
         </p:nvSpPr>
         <p:spPr>
           <a:xfrm>
-            <a:off x="7105151" y="449962"/>
+            <a:off x="5127920" y="369000"/>
             <a:ext cx="2520000" cy="360000"/>
           </a:xfrm>
           <a:prstGeom prst="rect">
@@ -11803,7 +11803,7 @@
         </p:nvSpPr>
         <p:spPr>
           <a:xfrm>
-            <a:off x="7105151" y="2609962"/>
+            <a:off x="5127920" y="2529000"/>
             <a:ext cx="1170000" cy="360000"/>
           </a:xfrm>
           <a:prstGeom prst="rect">
@@ -11874,7 +11874,7 @@
         </p:nvSpPr>
         <p:spPr>
           <a:xfrm>
-            <a:off x="9625151" y="89962"/>
+            <a:off x="7647920" y="9000"/>
             <a:ext cx="360000" cy="360000"/>
           </a:xfrm>
           <a:prstGeom prst="ellipse">
@@ -11941,7 +11941,7 @@
         </p:nvSpPr>
         <p:spPr>
           <a:xfrm>
-            <a:off x="6935311" y="3869962"/>
+            <a:off x="4958080" y="3789000"/>
             <a:ext cx="2880000" cy="2880000"/>
           </a:xfrm>
           <a:prstGeom prst="rect">
@@ -11997,7 +11997,7 @@
         </p:nvSpPr>
         <p:spPr>
           <a:xfrm>
-            <a:off x="7110231" y="4049962"/>
+            <a:off x="5133000" y="3969000"/>
             <a:ext cx="2520000" cy="360000"/>
           </a:xfrm>
           <a:prstGeom prst="rect">
@@ -12055,7 +12055,7 @@
         </p:nvSpPr>
         <p:spPr>
           <a:xfrm>
-            <a:off x="9630231" y="3689962"/>
+            <a:off x="7653000" y="3609000"/>
             <a:ext cx="360000" cy="360000"/>
           </a:xfrm>
           <a:prstGeom prst="ellipse">
@@ -12122,7 +12122,7 @@
         </p:nvSpPr>
         <p:spPr>
           <a:xfrm>
-            <a:off x="7110231" y="6209962"/>
+            <a:off x="5133000" y="6129000"/>
             <a:ext cx="2520000" cy="360000"/>
           </a:xfrm>
           <a:prstGeom prst="rect">
@@ -12193,7 +12193,7 @@
         </p:nvSpPr>
         <p:spPr>
           <a:xfrm>
-            <a:off x="7110231" y="809962"/>
+            <a:off x="5133000" y="729000"/>
             <a:ext cx="2520000" cy="360000"/>
           </a:xfrm>
           <a:prstGeom prst="rect">
@@ -12264,7 +12264,7 @@
         </p:nvSpPr>
         <p:spPr>
           <a:xfrm>
-            <a:off x="7110231" y="1349962"/>
+            <a:off x="5133000" y="1269000"/>
             <a:ext cx="2520000" cy="360000"/>
           </a:xfrm>
           <a:prstGeom prst="rect">
@@ -12335,7 +12335,7 @@
         </p:nvSpPr>
         <p:spPr>
           <a:xfrm>
-            <a:off x="7110231" y="1889962"/>
+            <a:off x="5133000" y="1809000"/>
             <a:ext cx="2520000" cy="360000"/>
           </a:xfrm>
           <a:prstGeom prst="rect">
@@ -12406,7 +12406,7 @@
         </p:nvSpPr>
         <p:spPr>
           <a:xfrm>
-            <a:off x="7110231" y="4409962"/>
+            <a:off x="5133000" y="4329000"/>
             <a:ext cx="2520000" cy="360000"/>
           </a:xfrm>
           <a:prstGeom prst="rect">
@@ -12477,7 +12477,7 @@
         </p:nvSpPr>
         <p:spPr>
           <a:xfrm>
-            <a:off x="7110231" y="4949962"/>
+            <a:off x="5133000" y="4869000"/>
             <a:ext cx="2520000" cy="360000"/>
           </a:xfrm>
           <a:prstGeom prst="rect">
@@ -12548,7 +12548,7 @@
         </p:nvSpPr>
         <p:spPr>
           <a:xfrm>
-            <a:off x="7110231" y="5489962"/>
+            <a:off x="5133000" y="5409000"/>
             <a:ext cx="2520000" cy="360000"/>
           </a:xfrm>
           <a:prstGeom prst="rect">
@@ -12623,7 +12623,7 @@
         </p:nvCxnSpPr>
         <p:spPr>
           <a:xfrm>
-            <a:off x="6575311" y="1709962"/>
+            <a:off x="4598080" y="1629000"/>
             <a:ext cx="354920" cy="0"/>
           </a:xfrm>
           <a:prstGeom prst="straightConnector1">
@@ -12665,7 +12665,7 @@
         </p:nvSpPr>
         <p:spPr>
           <a:xfrm>
-            <a:off x="3690231" y="3869962"/>
+            <a:off x="1713000" y="3789000"/>
             <a:ext cx="2880000" cy="2880000"/>
           </a:xfrm>
           <a:prstGeom prst="rect">
@@ -12721,7 +12721,7 @@
         </p:nvSpPr>
         <p:spPr>
           <a:xfrm>
-            <a:off x="5215151" y="6209962"/>
+            <a:off x="3237920" y="6129000"/>
             <a:ext cx="1170000" cy="360000"/>
           </a:xfrm>
           <a:prstGeom prst="rect">
@@ -12792,7 +12792,7 @@
         </p:nvSpPr>
         <p:spPr>
           <a:xfrm>
-            <a:off x="3865151" y="4049962"/>
+            <a:off x="1887920" y="3969000"/>
             <a:ext cx="2520000" cy="360000"/>
           </a:xfrm>
           <a:prstGeom prst="rect">
@@ -12850,7 +12850,7 @@
         </p:nvSpPr>
         <p:spPr>
           <a:xfrm>
-            <a:off x="3865151" y="6209962"/>
+            <a:off x="1887920" y="6129000"/>
             <a:ext cx="1170000" cy="360000"/>
           </a:xfrm>
           <a:prstGeom prst="rect">
@@ -12921,7 +12921,7 @@
         </p:nvSpPr>
         <p:spPr>
           <a:xfrm>
-            <a:off x="6385151" y="3689962"/>
+            <a:off x="4407920" y="3609000"/>
             <a:ext cx="360000" cy="360000"/>
           </a:xfrm>
           <a:prstGeom prst="ellipse">
@@ -12991,7 +12991,7 @@
         </p:nvCxnSpPr>
         <p:spPr>
           <a:xfrm>
-            <a:off x="6570231" y="5309962"/>
+            <a:off x="4593000" y="5229000"/>
             <a:ext cx="354920" cy="0"/>
           </a:xfrm>
           <a:prstGeom prst="straightConnector1">
@@ -13037,7 +13037,7 @@
         </p:nvCxnSpPr>
         <p:spPr>
           <a:xfrm flipH="1">
-            <a:off x="5130231" y="3149962"/>
+            <a:off x="3153000" y="3069000"/>
             <a:ext cx="5080" cy="720000"/>
           </a:xfrm>
           <a:prstGeom prst="straightConnector1">
@@ -13079,7 +13079,7 @@
         </p:nvSpPr>
         <p:spPr>
           <a:xfrm>
-            <a:off x="3870231" y="4409962"/>
+            <a:off x="1893000" y="4329000"/>
             <a:ext cx="2520000" cy="1620000"/>
           </a:xfrm>
           <a:prstGeom prst="rect">
@@ -13185,7 +13185,7 @@
         </p:nvSpPr>
         <p:spPr>
           <a:xfrm>
-            <a:off x="3690231" y="6766742"/>
+            <a:off x="1713000" y="6685780"/>
             <a:ext cx="2880000" cy="523220"/>
           </a:xfrm>
           <a:prstGeom prst="rect">
@@ -13234,7 +13234,7 @@
         </p:nvCxnSpPr>
         <p:spPr>
           <a:xfrm>
-            <a:off x="8370231" y="3149962"/>
+            <a:off x="6393000" y="3069000"/>
             <a:ext cx="5080" cy="720000"/>
           </a:xfrm>
           <a:prstGeom prst="straightConnector1">
@@ -13276,7 +13276,7 @@
         </p:nvSpPr>
         <p:spPr>
           <a:xfrm>
-            <a:off x="6930231" y="6749962"/>
+            <a:off x="4953000" y="6669000"/>
             <a:ext cx="2880000" cy="523220"/>
           </a:xfrm>
           <a:prstGeom prst="rect">
@@ -13321,7 +13321,7 @@
         </p:nvSpPr>
         <p:spPr>
           <a:xfrm>
-            <a:off x="6930231" y="3149962"/>
+            <a:off x="4953000" y="3069000"/>
             <a:ext cx="2880000" cy="523220"/>
           </a:xfrm>
           <a:prstGeom prst="rect">
@@ -13404,7 +13404,7 @@
         </p:nvSpPr>
         <p:spPr>
           <a:xfrm>
-            <a:off x="90231" y="179963"/>
+            <a:off x="-1887000" y="99001"/>
             <a:ext cx="3240000" cy="6660000"/>
           </a:xfrm>
           <a:prstGeom prst="rect">
@@ -13463,7 +13463,7 @@
         </p:nvSpPr>
         <p:spPr>
           <a:xfrm>
-            <a:off x="90231" y="6209962"/>
+            <a:off x="-1887000" y="6129000"/>
             <a:ext cx="810000" cy="630000"/>
           </a:xfrm>
           <a:prstGeom prst="rect">
@@ -13541,7 +13541,7 @@
         </p:blipFill>
         <p:spPr>
           <a:xfrm>
-            <a:off x="225234" y="6209962"/>
+            <a:off x="-1751997" y="6129000"/>
             <a:ext cx="540000" cy="540000"/>
           </a:xfrm>
           <a:prstGeom prst="rect">
@@ -13565,7 +13565,7 @@
         </p:nvSpPr>
         <p:spPr>
           <a:xfrm>
-            <a:off x="900231" y="6209962"/>
+            <a:off x="-1077000" y="6129000"/>
             <a:ext cx="810000" cy="630000"/>
           </a:xfrm>
           <a:prstGeom prst="rect">
@@ -13631,7 +13631,7 @@
         </p:nvSpPr>
         <p:spPr>
           <a:xfrm>
-            <a:off x="1710231" y="6209962"/>
+            <a:off x="-267000" y="6129000"/>
             <a:ext cx="810000" cy="630000"/>
           </a:xfrm>
           <a:prstGeom prst="rect">
@@ -13697,7 +13697,7 @@
         </p:nvSpPr>
         <p:spPr>
           <a:xfrm>
-            <a:off x="2520231" y="6209962"/>
+            <a:off x="543000" y="6129000"/>
             <a:ext cx="810000" cy="630000"/>
           </a:xfrm>
           <a:prstGeom prst="rect">
@@ -13763,7 +13763,7 @@
         </p:nvSpPr>
         <p:spPr>
           <a:xfrm>
-            <a:off x="2790234" y="179965"/>
+            <a:off x="813003" y="99003"/>
             <a:ext cx="540000" cy="540000"/>
           </a:xfrm>
           <a:prstGeom prst="rect">
@@ -13826,7 +13826,7 @@
         </p:nvSpPr>
         <p:spPr>
           <a:xfrm>
-            <a:off x="90231" y="179965"/>
+            <a:off x="-1887000" y="99003"/>
             <a:ext cx="2700000" cy="540000"/>
           </a:xfrm>
           <a:prstGeom prst="rect">
@@ -13903,7 +13903,7 @@
         </p:blipFill>
         <p:spPr>
           <a:xfrm>
-            <a:off x="1026853" y="6209962"/>
+            <a:off x="-950378" y="6129000"/>
             <a:ext cx="540000" cy="540000"/>
           </a:xfrm>
           <a:prstGeom prst="rect">
@@ -13939,7 +13939,7 @@
         </p:blipFill>
         <p:spPr>
           <a:xfrm>
-            <a:off x="1845231" y="6209962"/>
+            <a:off x="-132000" y="6129000"/>
             <a:ext cx="540000" cy="540000"/>
           </a:xfrm>
           <a:prstGeom prst="rect">
@@ -13963,7 +13963,7 @@
         </p:nvSpPr>
         <p:spPr>
           <a:xfrm>
-            <a:off x="2709231" y="6263962"/>
+            <a:off x="732000" y="6183000"/>
             <a:ext cx="432000" cy="432000"/>
           </a:xfrm>
           <a:custGeom>
@@ -14175,7 +14175,7 @@
         </p:blipFill>
         <p:spPr>
           <a:xfrm>
-            <a:off x="2837200" y="224962"/>
+            <a:off x="859969" y="144000"/>
             <a:ext cx="450000" cy="450000"/>
           </a:xfrm>
           <a:prstGeom prst="rect">
@@ -14197,7 +14197,7 @@
         </p:nvSpPr>
         <p:spPr>
           <a:xfrm>
-            <a:off x="270231" y="1349962"/>
+            <a:off x="-1707000" y="1269000"/>
             <a:ext cx="540000" cy="540000"/>
           </a:xfrm>
           <a:prstGeom prst="rect">
@@ -14268,7 +14268,7 @@
         </p:nvSpPr>
         <p:spPr>
           <a:xfrm>
-            <a:off x="3695311" y="269962"/>
+            <a:off x="1718080" y="189000"/>
             <a:ext cx="2880000" cy="2880000"/>
           </a:xfrm>
           <a:prstGeom prst="rect">
@@ -14327,7 +14327,7 @@
         </p:nvCxnSpPr>
         <p:spPr>
           <a:xfrm>
-            <a:off x="3330234" y="449965"/>
+            <a:off x="1353004" y="369004"/>
             <a:ext cx="365077" cy="1259997"/>
           </a:xfrm>
           <a:prstGeom prst="straightConnector1">
@@ -14369,7 +14369,7 @@
         </p:nvSpPr>
         <p:spPr>
           <a:xfrm>
-            <a:off x="3690231" y="3149962"/>
+            <a:off x="1713000" y="3069000"/>
             <a:ext cx="2880000" cy="523220"/>
           </a:xfrm>
           <a:prstGeom prst="rect">
@@ -14414,7 +14414,7 @@
         </p:nvSpPr>
         <p:spPr>
           <a:xfrm>
-            <a:off x="810231" y="1349962"/>
+            <a:off x="-1167000" y="1269000"/>
             <a:ext cx="2340000" cy="540000"/>
           </a:xfrm>
           <a:prstGeom prst="rect">
@@ -14504,7 +14504,7 @@
         </p:nvSpPr>
         <p:spPr>
           <a:xfrm>
-            <a:off x="270231" y="2069962"/>
+            <a:off x="-1707000" y="1989000"/>
             <a:ext cx="540000" cy="540000"/>
           </a:xfrm>
           <a:prstGeom prst="rect">
@@ -14579,7 +14579,7 @@
         </p:blipFill>
         <p:spPr>
           <a:xfrm>
-            <a:off x="270231" y="2069962"/>
+            <a:off x="-1707000" y="1989000"/>
             <a:ext cx="540000" cy="540000"/>
           </a:xfrm>
           <a:prstGeom prst="rect">
@@ -14601,7 +14601,7 @@
         </p:nvSpPr>
         <p:spPr>
           <a:xfrm>
-            <a:off x="990231" y="2069962"/>
+            <a:off x="-987000" y="1989000"/>
             <a:ext cx="540000" cy="540000"/>
           </a:xfrm>
           <a:prstGeom prst="rect">
@@ -14662,7 +14662,7 @@
         </p:nvSpPr>
         <p:spPr>
           <a:xfrm>
-            <a:off x="1710231" y="2069962"/>
+            <a:off x="-267000" y="1989000"/>
             <a:ext cx="540000" cy="540000"/>
           </a:xfrm>
           <a:prstGeom prst="rect">
@@ -14723,7 +14723,7 @@
         </p:nvSpPr>
         <p:spPr>
           <a:xfrm>
-            <a:off x="2430231" y="2069962"/>
+            <a:off x="453000" y="1989000"/>
             <a:ext cx="540000" cy="540000"/>
           </a:xfrm>
           <a:prstGeom prst="rect">
@@ -14798,7 +14798,7 @@
         </p:blipFill>
         <p:spPr>
           <a:xfrm rot="5400000">
-            <a:off x="990231" y="2069962"/>
+            <a:off x="-987000" y="1989000"/>
             <a:ext cx="540000" cy="540000"/>
           </a:xfrm>
           <a:prstGeom prst="rect">
@@ -14820,7 +14820,7 @@
         </p:nvSpPr>
         <p:spPr>
           <a:xfrm>
-            <a:off x="270231" y="2789962"/>
+            <a:off x="-1707000" y="2709000"/>
             <a:ext cx="540000" cy="540000"/>
           </a:xfrm>
           <a:prstGeom prst="rect">
@@ -14891,7 +14891,7 @@
         </p:nvSpPr>
         <p:spPr>
           <a:xfrm>
-            <a:off x="810231" y="2789962"/>
+            <a:off x="-1167000" y="2709000"/>
             <a:ext cx="2340000" cy="540000"/>
           </a:xfrm>
           <a:prstGeom prst="rect">
@@ -14971,7 +14971,7 @@
         </p:nvSpPr>
         <p:spPr>
           <a:xfrm>
-            <a:off x="270231" y="3509962"/>
+            <a:off x="-1707000" y="3429000"/>
             <a:ext cx="540000" cy="540000"/>
           </a:xfrm>
           <a:prstGeom prst="rect">
@@ -15042,7 +15042,7 @@
         </p:nvSpPr>
         <p:spPr>
           <a:xfrm>
-            <a:off x="990231" y="3509962"/>
+            <a:off x="-987000" y="3429000"/>
             <a:ext cx="540000" cy="540000"/>
           </a:xfrm>
           <a:prstGeom prst="rect">
@@ -15113,7 +15113,7 @@
         </p:nvSpPr>
         <p:spPr>
           <a:xfrm>
-            <a:off x="1710231" y="3509962"/>
+            <a:off x="-267000" y="3429000"/>
             <a:ext cx="540000" cy="540000"/>
           </a:xfrm>
           <a:prstGeom prst="rect">
@@ -15184,7 +15184,7 @@
         </p:nvSpPr>
         <p:spPr>
           <a:xfrm>
-            <a:off x="2430231" y="3509962"/>
+            <a:off x="453000" y="3429000"/>
             <a:ext cx="540000" cy="540000"/>
           </a:xfrm>
           <a:prstGeom prst="rect">
@@ -15257,7 +15257,7 @@
         </p:nvSpPr>
         <p:spPr>
           <a:xfrm>
-            <a:off x="2610231" y="1349962"/>
+            <a:off x="633000" y="1269000"/>
             <a:ext cx="540000" cy="540000"/>
           </a:xfrm>
           <a:prstGeom prst="rect">
@@ -15332,7 +15332,7 @@
         </p:blipFill>
         <p:spPr>
           <a:xfrm>
-            <a:off x="2657197" y="1394959"/>
+            <a:off x="679966" y="1313997"/>
             <a:ext cx="450000" cy="450000"/>
           </a:xfrm>
           <a:prstGeom prst="rect">
@@ -15356,7 +15356,7 @@
         </p:nvSpPr>
         <p:spPr>
           <a:xfrm>
-            <a:off x="2610231" y="2789962"/>
+            <a:off x="633000" y="2709000"/>
             <a:ext cx="540000" cy="540000"/>
           </a:xfrm>
           <a:prstGeom prst="rect">
@@ -15431,7 +15431,7 @@
         </p:blipFill>
         <p:spPr>
           <a:xfrm>
-            <a:off x="2657197" y="2834959"/>
+            <a:off x="679966" y="2753997"/>
             <a:ext cx="450000" cy="450000"/>
           </a:xfrm>
           <a:prstGeom prst="rect">
@@ -15453,7 +15453,7 @@
         </p:nvSpPr>
         <p:spPr>
           <a:xfrm>
-            <a:off x="6930231" y="3869962"/>
+            <a:off x="4953000" y="3789000"/>
             <a:ext cx="2880000" cy="2880000"/>
           </a:xfrm>
           <a:prstGeom prst="rect">
@@ -15513,7 +15513,7 @@
         </p:nvCxnSpPr>
         <p:spPr>
           <a:xfrm>
-            <a:off x="3150231" y="3059962"/>
+            <a:off x="1173000" y="2979000"/>
             <a:ext cx="3780000" cy="2250000"/>
           </a:xfrm>
           <a:prstGeom prst="straightConnector1">
@@ -15555,7 +15555,7 @@
         </p:nvSpPr>
         <p:spPr>
           <a:xfrm>
-            <a:off x="3690231" y="3869962"/>
+            <a:off x="1713000" y="3789000"/>
             <a:ext cx="2880000" cy="2880000"/>
           </a:xfrm>
           <a:prstGeom prst="rect">
@@ -15611,7 +15611,7 @@
         </p:nvSpPr>
         <p:spPr>
           <a:xfrm>
-            <a:off x="3870231" y="4409962"/>
+            <a:off x="1893000" y="4329000"/>
             <a:ext cx="2520000" cy="1620000"/>
           </a:xfrm>
           <a:prstGeom prst="rect">
@@ -15686,7 +15686,7 @@
         </p:nvSpPr>
         <p:spPr>
           <a:xfrm>
-            <a:off x="3870231" y="6209962"/>
+            <a:off x="1893000" y="6129000"/>
             <a:ext cx="2520000" cy="360000"/>
           </a:xfrm>
           <a:prstGeom prst="rect">
@@ -15761,7 +15761,7 @@
         </p:nvCxnSpPr>
         <p:spPr>
           <a:xfrm>
-            <a:off x="6575311" y="1709962"/>
+            <a:off x="4598080" y="1629000"/>
             <a:ext cx="354920" cy="0"/>
           </a:xfrm>
           <a:prstGeom prst="straightConnector1">
@@ -15803,7 +15803,7 @@
         </p:nvSpPr>
         <p:spPr>
           <a:xfrm>
-            <a:off x="6930231" y="269962"/>
+            <a:off x="4953000" y="189000"/>
             <a:ext cx="2880000" cy="2880000"/>
           </a:xfrm>
           <a:prstGeom prst="rect">
@@ -15859,7 +15859,7 @@
         </p:nvSpPr>
         <p:spPr>
           <a:xfrm>
-            <a:off x="3870231" y="4049962"/>
+            <a:off x="1893000" y="3969000"/>
             <a:ext cx="2520000" cy="360000"/>
           </a:xfrm>
           <a:prstGeom prst="rect">
@@ -15917,7 +15917,7 @@
         </p:nvSpPr>
         <p:spPr>
           <a:xfrm>
-            <a:off x="7093282" y="4409962"/>
+            <a:off x="5116051" y="4329000"/>
             <a:ext cx="2520000" cy="1260000"/>
           </a:xfrm>
           <a:prstGeom prst="rect">
@@ -15992,7 +15992,7 @@
         </p:nvSpPr>
         <p:spPr>
           <a:xfrm>
-            <a:off x="7110231" y="6209962"/>
+            <a:off x="5133000" y="6129000"/>
             <a:ext cx="1170000" cy="360000"/>
           </a:xfrm>
           <a:prstGeom prst="rect">
@@ -16063,7 +16063,7 @@
         </p:nvSpPr>
         <p:spPr>
           <a:xfrm>
-            <a:off x="7093282" y="4049962"/>
+            <a:off x="5116051" y="3969000"/>
             <a:ext cx="2520000" cy="360000"/>
           </a:xfrm>
           <a:prstGeom prst="rect">
@@ -16121,7 +16121,7 @@
         </p:nvSpPr>
         <p:spPr>
           <a:xfrm>
-            <a:off x="8460231" y="6209962"/>
+            <a:off x="6483000" y="6129000"/>
             <a:ext cx="1170000" cy="360000"/>
           </a:xfrm>
           <a:prstGeom prst="rect">
@@ -16192,7 +16192,7 @@
         </p:nvSpPr>
         <p:spPr>
           <a:xfrm>
-            <a:off x="7110231" y="5849962"/>
+            <a:off x="5133000" y="5769000"/>
             <a:ext cx="2520000" cy="360000"/>
           </a:xfrm>
           <a:prstGeom prst="rect">
@@ -16250,7 +16250,7 @@
         </p:nvSpPr>
         <p:spPr>
           <a:xfrm>
-            <a:off x="3870231" y="809962"/>
+            <a:off x="1893000" y="729000"/>
             <a:ext cx="2520000" cy="1620000"/>
           </a:xfrm>
           <a:prstGeom prst="rect">
@@ -16325,7 +16325,7 @@
         </p:nvSpPr>
         <p:spPr>
           <a:xfrm>
-            <a:off x="5220231" y="2609962"/>
+            <a:off x="3243000" y="2529000"/>
             <a:ext cx="1170000" cy="360000"/>
           </a:xfrm>
           <a:prstGeom prst="rect">
@@ -16396,7 +16396,7 @@
         </p:nvSpPr>
         <p:spPr>
           <a:xfrm>
-            <a:off x="3870231" y="449962"/>
+            <a:off x="1893000" y="369000"/>
             <a:ext cx="2520000" cy="360000"/>
           </a:xfrm>
           <a:prstGeom prst="rect">
@@ -16454,7 +16454,7 @@
         </p:nvSpPr>
         <p:spPr>
           <a:xfrm>
-            <a:off x="3870231" y="2609962"/>
+            <a:off x="1893000" y="2529000"/>
             <a:ext cx="1170000" cy="360000"/>
           </a:xfrm>
           <a:prstGeom prst="rect">
@@ -16525,7 +16525,7 @@
         </p:nvSpPr>
         <p:spPr>
           <a:xfrm>
-            <a:off x="7110231" y="809962"/>
+            <a:off x="5133000" y="729000"/>
             <a:ext cx="2520000" cy="1260000"/>
           </a:xfrm>
           <a:prstGeom prst="rect">
@@ -16600,7 +16600,7 @@
         </p:nvSpPr>
         <p:spPr>
           <a:xfrm>
-            <a:off x="7110231" y="449962"/>
+            <a:off x="5133000" y="369000"/>
             <a:ext cx="2520000" cy="360000"/>
           </a:xfrm>
           <a:prstGeom prst="rect">
@@ -16658,7 +16658,7 @@
         </p:nvSpPr>
         <p:spPr>
           <a:xfrm>
-            <a:off x="7110231" y="2609962"/>
+            <a:off x="5133000" y="2529000"/>
             <a:ext cx="2520000" cy="360000"/>
           </a:xfrm>
           <a:prstGeom prst="rect">
@@ -16729,7 +16729,7 @@
         </p:nvSpPr>
         <p:spPr>
           <a:xfrm>
-            <a:off x="7110231" y="2249962"/>
+            <a:off x="5133000" y="2169000"/>
             <a:ext cx="2520000" cy="360000"/>
           </a:xfrm>
           <a:prstGeom prst="rect">
@@ -16787,7 +16787,7 @@
         </p:nvSpPr>
         <p:spPr>
           <a:xfrm>
-            <a:off x="6390231" y="89962"/>
+            <a:off x="4413000" y="9000"/>
             <a:ext cx="360000" cy="360000"/>
           </a:xfrm>
           <a:prstGeom prst="ellipse">
@@ -16854,7 +16854,7 @@
         </p:nvSpPr>
         <p:spPr>
           <a:xfrm>
-            <a:off x="9630231" y="89962"/>
+            <a:off x="7653000" y="9000"/>
             <a:ext cx="360000" cy="360000"/>
           </a:xfrm>
           <a:prstGeom prst="ellipse">
@@ -16921,7 +16921,7 @@
         </p:nvSpPr>
         <p:spPr>
           <a:xfrm>
-            <a:off x="9630231" y="3689962"/>
+            <a:off x="7653000" y="3609000"/>
             <a:ext cx="360000" cy="360000"/>
           </a:xfrm>
           <a:prstGeom prst="ellipse">
@@ -16988,7 +16988,7 @@
         </p:nvSpPr>
         <p:spPr>
           <a:xfrm>
-            <a:off x="6390231" y="3689962"/>
+            <a:off x="4413000" y="3609000"/>
             <a:ext cx="360000" cy="360000"/>
           </a:xfrm>
           <a:prstGeom prst="ellipse">
@@ -17055,7 +17055,7 @@
         </p:nvSpPr>
         <p:spPr>
           <a:xfrm>
-            <a:off x="270231" y="4229962"/>
+            <a:off x="-1707000" y="4149000"/>
             <a:ext cx="540000" cy="540000"/>
           </a:xfrm>
           <a:prstGeom prst="rect">
@@ -17126,7 +17126,7 @@
         </p:nvSpPr>
         <p:spPr>
           <a:xfrm>
-            <a:off x="810231" y="4229962"/>
+            <a:off x="-1167000" y="4149000"/>
             <a:ext cx="2340000" cy="540000"/>
           </a:xfrm>
           <a:prstGeom prst="rect">
@@ -17206,7 +17206,7 @@
         </p:nvSpPr>
         <p:spPr>
           <a:xfrm>
-            <a:off x="270231" y="4949962"/>
+            <a:off x="-1707000" y="4869000"/>
             <a:ext cx="540000" cy="540000"/>
           </a:xfrm>
           <a:prstGeom prst="rect">
@@ -17277,7 +17277,7 @@
         </p:nvSpPr>
         <p:spPr>
           <a:xfrm>
-            <a:off x="990231" y="4949962"/>
+            <a:off x="-987000" y="4869000"/>
             <a:ext cx="540000" cy="540000"/>
           </a:xfrm>
           <a:prstGeom prst="rect">
@@ -17338,7 +17338,7 @@
         </p:nvSpPr>
         <p:spPr>
           <a:xfrm>
-            <a:off x="1710231" y="4949962"/>
+            <a:off x="-267000" y="4869000"/>
             <a:ext cx="540000" cy="540000"/>
           </a:xfrm>
           <a:prstGeom prst="rect">
@@ -17399,7 +17399,7 @@
         </p:nvSpPr>
         <p:spPr>
           <a:xfrm>
-            <a:off x="2430231" y="4949962"/>
+            <a:off x="453000" y="4869000"/>
             <a:ext cx="540000" cy="540000"/>
           </a:xfrm>
           <a:prstGeom prst="rect">
@@ -17462,7 +17462,7 @@
         </p:nvSpPr>
         <p:spPr>
           <a:xfrm>
-            <a:off x="2610231" y="4229962"/>
+            <a:off x="633000" y="4149000"/>
             <a:ext cx="540000" cy="540000"/>
           </a:xfrm>
           <a:prstGeom prst="rect">
@@ -17537,7 +17537,7 @@
         </p:blipFill>
         <p:spPr>
           <a:xfrm>
-            <a:off x="2657197" y="4274959"/>
+            <a:off x="679966" y="4193997"/>
             <a:ext cx="450000" cy="450000"/>
           </a:xfrm>
           <a:prstGeom prst="rect">
@@ -17563,7 +17563,7 @@
         </p:nvCxnSpPr>
         <p:spPr>
           <a:xfrm>
-            <a:off x="2250231" y="3779962"/>
+            <a:off x="273000" y="3699000"/>
             <a:ext cx="1440000" cy="1530000"/>
           </a:xfrm>
           <a:prstGeom prst="straightConnector1">
@@ -17605,7 +17605,7 @@
         </p:nvSpPr>
         <p:spPr>
           <a:xfrm>
-            <a:off x="270231" y="5489962"/>
+            <a:off x="-1707000" y="5409000"/>
             <a:ext cx="2880000" cy="523220"/>
           </a:xfrm>
           <a:prstGeom prst="rect">
@@ -17650,7 +17650,7 @@
         </p:nvSpPr>
         <p:spPr>
           <a:xfrm>
-            <a:off x="10350231" y="269962"/>
+            <a:off x="8373000" y="189000"/>
             <a:ext cx="2880000" cy="2880000"/>
           </a:xfrm>
           <a:prstGeom prst="rect">
@@ -17706,7 +17706,7 @@
         </p:nvSpPr>
         <p:spPr>
           <a:xfrm>
-            <a:off x="10530231" y="809962"/>
+            <a:off x="8553000" y="729000"/>
             <a:ext cx="2520000" cy="1260000"/>
           </a:xfrm>
           <a:prstGeom prst="rect">
@@ -17769,7 +17769,7 @@
         </p:nvSpPr>
         <p:spPr>
           <a:xfrm>
-            <a:off x="10530231" y="449962"/>
+            <a:off x="8553000" y="369000"/>
             <a:ext cx="2520000" cy="360000"/>
           </a:xfrm>
           <a:prstGeom prst="rect">
@@ -17827,7 +17827,7 @@
         </p:nvSpPr>
         <p:spPr>
           <a:xfrm>
-            <a:off x="10530231" y="2609962"/>
+            <a:off x="8553000" y="2529000"/>
             <a:ext cx="2520000" cy="360000"/>
           </a:xfrm>
           <a:prstGeom prst="rect">
@@ -17898,7 +17898,7 @@
         </p:nvSpPr>
         <p:spPr>
           <a:xfrm>
-            <a:off x="10530231" y="2249962"/>
+            <a:off x="8553000" y="2169000"/>
             <a:ext cx="2520000" cy="360000"/>
           </a:xfrm>
           <a:prstGeom prst="rect">
@@ -17956,7 +17956,7 @@
         </p:nvSpPr>
         <p:spPr>
           <a:xfrm>
-            <a:off x="13050231" y="89962"/>
+            <a:off x="11073000" y="9000"/>
             <a:ext cx="360000" cy="360000"/>
           </a:xfrm>
           <a:prstGeom prst="ellipse">
@@ -18023,8 +18023,8 @@
         </p:nvSpPr>
         <p:spPr>
           <a:xfrm>
-            <a:off x="9810231" y="1529962"/>
-            <a:ext cx="540000" cy="369332"/>
+            <a:off x="7833000" y="1449000"/>
+            <a:ext cx="540000" cy="314702"/>
           </a:xfrm>
           <a:prstGeom prst="rect">
             <a:avLst/>
@@ -18068,7 +18068,7 @@
         </p:nvSpPr>
         <p:spPr>
           <a:xfrm>
-            <a:off x="10350231" y="3869962"/>
+            <a:off x="8373000" y="3789000"/>
             <a:ext cx="2880000" cy="2880000"/>
           </a:xfrm>
           <a:prstGeom prst="rect">
@@ -18124,7 +18124,7 @@
         </p:nvSpPr>
         <p:spPr>
           <a:xfrm>
-            <a:off x="10530231" y="4409962"/>
+            <a:off x="8553000" y="4329000"/>
             <a:ext cx="2520000" cy="1260000"/>
           </a:xfrm>
           <a:prstGeom prst="rect">
@@ -18187,7 +18187,7 @@
         </p:nvSpPr>
         <p:spPr>
           <a:xfrm>
-            <a:off x="10530231" y="4049962"/>
+            <a:off x="8553000" y="3969000"/>
             <a:ext cx="2520000" cy="360000"/>
           </a:xfrm>
           <a:prstGeom prst="rect">
@@ -18245,7 +18245,7 @@
         </p:nvSpPr>
         <p:spPr>
           <a:xfrm>
-            <a:off x="10530231" y="6209962"/>
+            <a:off x="8553000" y="6129000"/>
             <a:ext cx="2520000" cy="360000"/>
           </a:xfrm>
           <a:prstGeom prst="rect">
@@ -18316,7 +18316,7 @@
         </p:nvSpPr>
         <p:spPr>
           <a:xfrm>
-            <a:off x="10530231" y="5849962"/>
+            <a:off x="8553000" y="5769000"/>
             <a:ext cx="2520000" cy="360000"/>
           </a:xfrm>
           <a:prstGeom prst="rect">
@@ -18374,7 +18374,7 @@
         </p:nvSpPr>
         <p:spPr>
           <a:xfrm>
-            <a:off x="13050231" y="3689962"/>
+            <a:off x="11073000" y="3609000"/>
             <a:ext cx="360000" cy="360000"/>
           </a:xfrm>
           <a:prstGeom prst="ellipse">
@@ -18441,7 +18441,7 @@
         </p:nvSpPr>
         <p:spPr>
           <a:xfrm>
-            <a:off x="6930231" y="3149962"/>
+            <a:off x="4953000" y="3069000"/>
             <a:ext cx="2880000" cy="523220"/>
           </a:xfrm>
           <a:prstGeom prst="rect">
@@ -18486,7 +18486,7 @@
         </p:nvSpPr>
         <p:spPr>
           <a:xfrm>
-            <a:off x="6930231" y="6766742"/>
+            <a:off x="4953000" y="6685780"/>
             <a:ext cx="2880000" cy="523220"/>
           </a:xfrm>
           <a:prstGeom prst="rect">
@@ -18531,8 +18531,8 @@
         </p:nvSpPr>
         <p:spPr>
           <a:xfrm>
-            <a:off x="9810231" y="5120630"/>
-            <a:ext cx="540000" cy="369332"/>
+            <a:off x="7833000" y="5039668"/>
+            <a:ext cx="540000" cy="314702"/>
           </a:xfrm>
           <a:prstGeom prst="rect">
             <a:avLst/>
@@ -18614,7 +18614,7 @@
         </p:nvSpPr>
         <p:spPr>
           <a:xfrm>
-            <a:off x="90231" y="179963"/>
+            <a:off x="-1887000" y="99001"/>
             <a:ext cx="3240000" cy="6660000"/>
           </a:xfrm>
           <a:prstGeom prst="rect">
@@ -18673,7 +18673,7 @@
         </p:nvSpPr>
         <p:spPr>
           <a:xfrm>
-            <a:off x="90231" y="6209962"/>
+            <a:off x="-1887000" y="6129000"/>
             <a:ext cx="810000" cy="630000"/>
           </a:xfrm>
           <a:prstGeom prst="rect">
@@ -18751,7 +18751,7 @@
         </p:blipFill>
         <p:spPr>
           <a:xfrm>
-            <a:off x="225234" y="6209962"/>
+            <a:off x="-1751997" y="6129000"/>
             <a:ext cx="540000" cy="540000"/>
           </a:xfrm>
           <a:prstGeom prst="rect">
@@ -18775,7 +18775,7 @@
         </p:nvSpPr>
         <p:spPr>
           <a:xfrm>
-            <a:off x="900231" y="6209962"/>
+            <a:off x="-1077000" y="6129000"/>
             <a:ext cx="810000" cy="630000"/>
           </a:xfrm>
           <a:prstGeom prst="rect">
@@ -18841,7 +18841,7 @@
         </p:nvSpPr>
         <p:spPr>
           <a:xfrm>
-            <a:off x="1710231" y="6209962"/>
+            <a:off x="-267000" y="6129000"/>
             <a:ext cx="810000" cy="630000"/>
           </a:xfrm>
           <a:prstGeom prst="rect">
@@ -18907,7 +18907,7 @@
         </p:nvSpPr>
         <p:spPr>
           <a:xfrm>
-            <a:off x="2520231" y="6209962"/>
+            <a:off x="543000" y="6129000"/>
             <a:ext cx="810000" cy="630000"/>
           </a:xfrm>
           <a:prstGeom prst="rect">
@@ -18973,7 +18973,7 @@
         </p:nvSpPr>
         <p:spPr>
           <a:xfrm>
-            <a:off x="2790234" y="179965"/>
+            <a:off x="813003" y="99003"/>
             <a:ext cx="540000" cy="540000"/>
           </a:xfrm>
           <a:prstGeom prst="rect">
@@ -19036,7 +19036,7 @@
         </p:nvSpPr>
         <p:spPr>
           <a:xfrm>
-            <a:off x="90231" y="179965"/>
+            <a:off x="-1887000" y="99003"/>
             <a:ext cx="2700000" cy="540000"/>
           </a:xfrm>
           <a:prstGeom prst="rect">
@@ -19113,7 +19113,7 @@
         </p:blipFill>
         <p:spPr>
           <a:xfrm>
-            <a:off x="1026853" y="6209962"/>
+            <a:off x="-950378" y="6129000"/>
             <a:ext cx="540000" cy="540000"/>
           </a:xfrm>
           <a:prstGeom prst="rect">
@@ -19149,7 +19149,7 @@
         </p:blipFill>
         <p:spPr>
           <a:xfrm>
-            <a:off x="1845231" y="6209962"/>
+            <a:off x="-132000" y="6129000"/>
             <a:ext cx="540000" cy="540000"/>
           </a:xfrm>
           <a:prstGeom prst="rect">
@@ -19173,7 +19173,7 @@
         </p:nvSpPr>
         <p:spPr>
           <a:xfrm>
-            <a:off x="2709231" y="6263962"/>
+            <a:off x="732000" y="6183000"/>
             <a:ext cx="432000" cy="432000"/>
           </a:xfrm>
           <a:custGeom>
@@ -19385,7 +19385,7 @@
         </p:blipFill>
         <p:spPr>
           <a:xfrm>
-            <a:off x="2837200" y="224962"/>
+            <a:off x="859969" y="144000"/>
             <a:ext cx="450000" cy="450000"/>
           </a:xfrm>
           <a:prstGeom prst="rect">
@@ -19407,7 +19407,7 @@
         </p:nvSpPr>
         <p:spPr>
           <a:xfrm>
-            <a:off x="3695311" y="269962"/>
+            <a:off x="1718080" y="189000"/>
             <a:ext cx="2880000" cy="2880000"/>
           </a:xfrm>
           <a:prstGeom prst="rect">
@@ -19466,7 +19466,7 @@
         </p:nvCxnSpPr>
         <p:spPr>
           <a:xfrm>
-            <a:off x="3330234" y="449965"/>
+            <a:off x="1353004" y="369004"/>
             <a:ext cx="365077" cy="1259997"/>
           </a:xfrm>
           <a:prstGeom prst="straightConnector1">
@@ -19508,7 +19508,7 @@
         </p:nvSpPr>
         <p:spPr>
           <a:xfrm>
-            <a:off x="3690231" y="3149962"/>
+            <a:off x="1713000" y="3069000"/>
             <a:ext cx="2880000" cy="523220"/>
           </a:xfrm>
           <a:prstGeom prst="rect">
@@ -19553,7 +19553,7 @@
         </p:nvSpPr>
         <p:spPr>
           <a:xfrm>
-            <a:off x="3690231" y="3869962"/>
+            <a:off x="1713000" y="3789000"/>
             <a:ext cx="2880000" cy="2880000"/>
           </a:xfrm>
           <a:prstGeom prst="rect">
@@ -19609,7 +19609,7 @@
         </p:nvSpPr>
         <p:spPr>
           <a:xfrm>
-            <a:off x="3870231" y="4409962"/>
+            <a:off x="1893000" y="4329000"/>
             <a:ext cx="2520000" cy="1620000"/>
           </a:xfrm>
           <a:prstGeom prst="rect">
@@ -19672,7 +19672,7 @@
         </p:nvSpPr>
         <p:spPr>
           <a:xfrm>
-            <a:off x="3870231" y="6209962"/>
+            <a:off x="1893000" y="6129000"/>
             <a:ext cx="2520000" cy="360000"/>
           </a:xfrm>
           <a:prstGeom prst="rect">
@@ -19743,7 +19743,7 @@
         </p:nvSpPr>
         <p:spPr>
           <a:xfrm>
-            <a:off x="3870231" y="4049962"/>
+            <a:off x="1893000" y="3969000"/>
             <a:ext cx="2520000" cy="360000"/>
           </a:xfrm>
           <a:prstGeom prst="rect">
@@ -19801,7 +19801,7 @@
         </p:nvSpPr>
         <p:spPr>
           <a:xfrm>
-            <a:off x="3870231" y="809962"/>
+            <a:off x="1893000" y="729000"/>
             <a:ext cx="2520000" cy="1620000"/>
           </a:xfrm>
           <a:prstGeom prst="rect">
@@ -19864,7 +19864,7 @@
         </p:nvSpPr>
         <p:spPr>
           <a:xfrm>
-            <a:off x="5220231" y="2609962"/>
+            <a:off x="3243000" y="2529000"/>
             <a:ext cx="1170000" cy="360000"/>
           </a:xfrm>
           <a:prstGeom prst="rect">
@@ -19935,7 +19935,7 @@
         </p:nvSpPr>
         <p:spPr>
           <a:xfrm>
-            <a:off x="3870231" y="449962"/>
+            <a:off x="1893000" y="369000"/>
             <a:ext cx="2520000" cy="360000"/>
           </a:xfrm>
           <a:prstGeom prst="rect">
@@ -19993,7 +19993,7 @@
         </p:nvSpPr>
         <p:spPr>
           <a:xfrm>
-            <a:off x="3870231" y="2609962"/>
+            <a:off x="1893000" y="2529000"/>
             <a:ext cx="1170000" cy="360000"/>
           </a:xfrm>
           <a:prstGeom prst="rect">
@@ -20064,7 +20064,7 @@
         </p:nvSpPr>
         <p:spPr>
           <a:xfrm>
-            <a:off x="6390231" y="89962"/>
+            <a:off x="4413000" y="9000"/>
             <a:ext cx="360000" cy="360000"/>
           </a:xfrm>
           <a:prstGeom prst="ellipse">
@@ -20131,7 +20131,7 @@
         </p:nvSpPr>
         <p:spPr>
           <a:xfrm>
-            <a:off x="6390231" y="3689962"/>
+            <a:off x="4413000" y="3609000"/>
             <a:ext cx="360000" cy="360000"/>
           </a:xfrm>
           <a:prstGeom prst="ellipse">
@@ -20201,7 +20201,7 @@
         </p:nvCxnSpPr>
         <p:spPr>
           <a:xfrm>
-            <a:off x="2250231" y="3779962"/>
+            <a:off x="273000" y="3699000"/>
             <a:ext cx="1440000" cy="1530000"/>
           </a:xfrm>
           <a:prstGeom prst="straightConnector1">
@@ -20243,7 +20243,7 @@
         </p:nvSpPr>
         <p:spPr>
           <a:xfrm>
-            <a:off x="270231" y="1366742"/>
+            <a:off x="-1707000" y="1285781"/>
             <a:ext cx="2880000" cy="1169551"/>
           </a:xfrm>
           <a:prstGeom prst="rect">
@@ -20326,7 +20326,7 @@
         </p:nvSpPr>
         <p:spPr>
           <a:xfrm>
-            <a:off x="6930231" y="3869962"/>
+            <a:off x="4953000" y="3789000"/>
             <a:ext cx="2880000" cy="2880000"/>
           </a:xfrm>
           <a:prstGeom prst="rect">
@@ -20382,7 +20382,7 @@
         </p:nvSpPr>
         <p:spPr>
           <a:xfrm>
-            <a:off x="7110231" y="4409962"/>
+            <a:off x="5133000" y="4329000"/>
             <a:ext cx="2520000" cy="1620000"/>
           </a:xfrm>
           <a:prstGeom prst="rect">
@@ -20445,7 +20445,7 @@
         </p:nvSpPr>
         <p:spPr>
           <a:xfrm>
-            <a:off x="7110231" y="6209962"/>
+            <a:off x="5133000" y="6129000"/>
             <a:ext cx="2520000" cy="360000"/>
           </a:xfrm>
           <a:prstGeom prst="rect">
@@ -20516,7 +20516,7 @@
         </p:nvSpPr>
         <p:spPr>
           <a:xfrm>
-            <a:off x="7110231" y="4049962"/>
+            <a:off x="5133000" y="3969000"/>
             <a:ext cx="2520000" cy="360000"/>
           </a:xfrm>
           <a:prstGeom prst="rect">
@@ -20578,7 +20578,7 @@
         </p:nvCxnSpPr>
         <p:spPr>
           <a:xfrm>
-            <a:off x="6570231" y="5309962"/>
+            <a:off x="4593000" y="5229000"/>
             <a:ext cx="360000" cy="0"/>
           </a:xfrm>
           <a:prstGeom prst="straightConnector1">
@@ -20681,7 +20681,7 @@
         </p:blipFill>
         <p:spPr>
           <a:xfrm>
-            <a:off x="450231" y="2069962"/>
+            <a:off x="-1527000" y="1989000"/>
             <a:ext cx="1440000" cy="1440000"/>
           </a:xfrm>
           <a:prstGeom prst="rect">
@@ -20717,7 +20717,7 @@
         </p:blipFill>
         <p:spPr>
           <a:xfrm>
-            <a:off x="1890231" y="2069962"/>
+            <a:off x="-87000" y="1989000"/>
             <a:ext cx="1440000" cy="1440000"/>
           </a:xfrm>
           <a:prstGeom prst="rect">
@@ -20747,7 +20747,7 @@
         </p:blipFill>
         <p:spPr>
           <a:xfrm>
-            <a:off x="804801" y="-5798915"/>
+            <a:off x="-1172430" y="-5798915"/>
             <a:ext cx="12250860" cy="3086531"/>
           </a:xfrm>
           <a:prstGeom prst="rect">
@@ -20777,7 +20777,7 @@
         </p:blipFill>
         <p:spPr>
           <a:xfrm>
-            <a:off x="630231" y="-2612634"/>
+            <a:off x="-1347000" y="-2612634"/>
             <a:ext cx="12403281" cy="2476846"/>
           </a:xfrm>
           <a:prstGeom prst="rect">
@@ -20813,7 +20813,7 @@
         </p:blipFill>
         <p:spPr>
           <a:xfrm>
-            <a:off x="11970231" y="629962"/>
+            <a:off x="9993000" y="549000"/>
             <a:ext cx="1440000" cy="1440000"/>
           </a:xfrm>
           <a:prstGeom prst="rect">
@@ -20835,7 +20835,7 @@
         </p:nvGrpSpPr>
         <p:grpSpPr>
           <a:xfrm>
-            <a:off x="450231" y="3601462"/>
+            <a:off x="-1527000" y="3520500"/>
             <a:ext cx="1440000" cy="1440000"/>
             <a:chOff x="450231" y="2789962"/>
             <a:chExt cx="1440000" cy="1440000"/>
@@ -21475,7 +21475,7 @@
         </p:nvGrpSpPr>
         <p:grpSpPr>
           <a:xfrm>
-            <a:off x="3330231" y="3601462"/>
+            <a:off x="1353000" y="3520500"/>
             <a:ext cx="1440000" cy="1440000"/>
             <a:chOff x="3330231" y="2789962"/>
             <a:chExt cx="1440000" cy="1440000"/>
@@ -21582,7 +21582,7 @@
         </p:nvGrpSpPr>
         <p:grpSpPr>
           <a:xfrm>
-            <a:off x="4770231" y="3601462"/>
+            <a:off x="2793000" y="3520500"/>
             <a:ext cx="1440000" cy="1440000"/>
             <a:chOff x="4770231" y="2789962"/>
             <a:chExt cx="1440000" cy="1440000"/>
@@ -21861,7 +21861,7 @@
         </p:nvGrpSpPr>
         <p:grpSpPr>
           <a:xfrm>
-            <a:off x="6210231" y="3601462"/>
+            <a:off x="4233000" y="3520500"/>
             <a:ext cx="1440000" cy="1440000"/>
             <a:chOff x="6210231" y="2789962"/>
             <a:chExt cx="1440000" cy="1440000"/>
@@ -21968,7 +21968,7 @@
         </p:nvGrpSpPr>
         <p:grpSpPr>
           <a:xfrm>
-            <a:off x="1890231" y="3601462"/>
+            <a:off x="-87000" y="3520500"/>
             <a:ext cx="1440000" cy="1440000"/>
             <a:chOff x="1890231" y="2789962"/>
             <a:chExt cx="1440000" cy="1440000"/>
@@ -22164,7 +22164,7 @@
         </p:blipFill>
         <p:spPr>
           <a:xfrm>
-            <a:off x="450231" y="629962"/>
+            <a:off x="-1527000" y="549000"/>
             <a:ext cx="1440000" cy="1440000"/>
           </a:xfrm>
           <a:prstGeom prst="rect">
@@ -22200,7 +22200,7 @@
         </p:blipFill>
         <p:spPr>
           <a:xfrm>
-            <a:off x="9090231" y="629962"/>
+            <a:off x="7113000" y="549000"/>
             <a:ext cx="1440000" cy="1440000"/>
           </a:xfrm>
           <a:prstGeom prst="rect">
@@ -22222,7 +22222,7 @@
         </p:nvGrpSpPr>
         <p:grpSpPr>
           <a:xfrm>
-            <a:off x="6210231" y="629962"/>
+            <a:off x="4233000" y="549000"/>
             <a:ext cx="1440000" cy="1440000"/>
             <a:chOff x="3330231" y="629962"/>
             <a:chExt cx="1440000" cy="1440000"/>
@@ -22502,7 +22502,7 @@
         </p:blipFill>
         <p:spPr>
           <a:xfrm>
-            <a:off x="1890231" y="629962"/>
+            <a:off x="-87000" y="549000"/>
             <a:ext cx="1440000" cy="1440000"/>
           </a:xfrm>
           <a:prstGeom prst="rect">
@@ -22538,7 +22538,7 @@
         </p:blipFill>
         <p:spPr>
           <a:xfrm>
-            <a:off x="10530231" y="629962"/>
+            <a:off x="8553000" y="549000"/>
             <a:ext cx="1440000" cy="1440000"/>
           </a:xfrm>
           <a:prstGeom prst="rect">
@@ -22560,7 +22560,7 @@
         </p:nvGrpSpPr>
         <p:grpSpPr>
           <a:xfrm>
-            <a:off x="4770231" y="629962"/>
+            <a:off x="2793000" y="549000"/>
             <a:ext cx="1440000" cy="1440000"/>
             <a:chOff x="4770231" y="629962"/>
             <a:chExt cx="1440000" cy="1440000"/>
@@ -22721,7 +22721,7 @@
         </p:nvGrpSpPr>
         <p:grpSpPr>
           <a:xfrm>
-            <a:off x="3330231" y="629962"/>
+            <a:off x="1353000" y="549000"/>
             <a:ext cx="1440000" cy="1440000"/>
             <a:chOff x="3330231" y="629962"/>
             <a:chExt cx="1440000" cy="1440000"/>
@@ -23159,7 +23159,7 @@
         </p:nvGrpSpPr>
         <p:grpSpPr>
           <a:xfrm>
-            <a:off x="7650231" y="629962"/>
+            <a:off x="5673000" y="549000"/>
             <a:ext cx="1440000" cy="1440000"/>
             <a:chOff x="7650231" y="629962"/>
             <a:chExt cx="1440000" cy="1440000"/>
@@ -23356,7 +23356,7 @@
         </p:nvSpPr>
         <p:spPr>
           <a:xfrm>
-            <a:off x="450231" y="629962"/>
+            <a:off x="-1527000" y="549000"/>
             <a:ext cx="1224000" cy="1224000"/>
           </a:xfrm>
           <a:prstGeom prst="rect">
@@ -23412,7 +23412,7 @@
         </p:nvSpPr>
         <p:spPr>
           <a:xfrm>
-            <a:off x="1890231" y="629962"/>
+            <a:off x="-87000" y="549000"/>
             <a:ext cx="1224000" cy="1224000"/>
           </a:xfrm>
           <a:prstGeom prst="rect">
@@ -23468,7 +23468,7 @@
         </p:nvSpPr>
         <p:spPr>
           <a:xfrm>
-            <a:off x="3330231" y="629962"/>
+            <a:off x="1353000" y="549000"/>
             <a:ext cx="1224000" cy="1224000"/>
           </a:xfrm>
           <a:prstGeom prst="rect">
@@ -23524,7 +23524,7 @@
         </p:nvSpPr>
         <p:spPr>
           <a:xfrm>
-            <a:off x="4770231" y="629962"/>
+            <a:off x="2793000" y="549000"/>
             <a:ext cx="1224000" cy="1224000"/>
           </a:xfrm>
           <a:prstGeom prst="rect">
@@ -23580,7 +23580,7 @@
         </p:nvSpPr>
         <p:spPr>
           <a:xfrm>
-            <a:off x="6210231" y="629962"/>
+            <a:off x="4233000" y="549000"/>
             <a:ext cx="1224000" cy="1224000"/>
           </a:xfrm>
           <a:prstGeom prst="rect">
@@ -23636,7 +23636,7 @@
         </p:nvSpPr>
         <p:spPr>
           <a:xfrm>
-            <a:off x="7650231" y="629962"/>
+            <a:off x="5673000" y="549000"/>
             <a:ext cx="1224000" cy="1224000"/>
           </a:xfrm>
           <a:prstGeom prst="rect">
@@ -23692,7 +23692,7 @@
         </p:nvSpPr>
         <p:spPr>
           <a:xfrm>
-            <a:off x="6210231" y="2069962"/>
+            <a:off x="4233000" y="1989000"/>
             <a:ext cx="1224000" cy="1224000"/>
           </a:xfrm>
           <a:prstGeom prst="rect">
@@ -23748,7 +23748,7 @@
         </p:nvSpPr>
         <p:spPr>
           <a:xfrm>
-            <a:off x="7650231" y="2069962"/>
+            <a:off x="5673000" y="1989000"/>
             <a:ext cx="1224000" cy="1224000"/>
           </a:xfrm>
           <a:prstGeom prst="rect">
@@ -23804,7 +23804,7 @@
         </p:nvSpPr>
         <p:spPr>
           <a:xfrm>
-            <a:off x="4770231" y="2069962"/>
+            <a:off x="2793000" y="1989000"/>
             <a:ext cx="1224000" cy="1224000"/>
           </a:xfrm>
           <a:prstGeom prst="rect">
@@ -23860,7 +23860,7 @@
         </p:nvSpPr>
         <p:spPr>
           <a:xfrm>
-            <a:off x="3330231" y="2069962"/>
+            <a:off x="1353000" y="1989000"/>
             <a:ext cx="1224000" cy="1224000"/>
           </a:xfrm>
           <a:prstGeom prst="rect">
@@ -23916,7 +23916,7 @@
         </p:nvSpPr>
         <p:spPr>
           <a:xfrm>
-            <a:off x="1890231" y="2069962"/>
+            <a:off x="-87000" y="1989000"/>
             <a:ext cx="1224000" cy="1224000"/>
           </a:xfrm>
           <a:prstGeom prst="rect">
@@ -23972,7 +23972,7 @@
         </p:nvSpPr>
         <p:spPr>
           <a:xfrm>
-            <a:off x="450231" y="2069962"/>
+            <a:off x="-1527000" y="1989000"/>
             <a:ext cx="1224000" cy="1224000"/>
           </a:xfrm>
           <a:prstGeom prst="rect">
@@ -24050,62 +24050,36 @@
           <a:chExt cx="0" cy="0"/>
         </a:xfrm>
       </p:grpSpPr>
-      <p:sp>
-        <p:nvSpPr>
-          <p:cNvPr id="9" name="TextBox 8">
-            <a:extLst>
-              <a:ext uri="{FF2B5EF4-FFF2-40B4-BE49-F238E27FC236}">
-                <a16:creationId xmlns:a16="http://schemas.microsoft.com/office/drawing/2014/main" id="{2B784415-A40C-6C44-B9B0-B56AF50F3196}"/>
-              </a:ext>
-            </a:extLst>
-          </p:cNvPr>
-          <p:cNvSpPr txBox="1"/>
-          <p:nvPr/>
-        </p:nvSpPr>
-        <p:spPr>
-          <a:xfrm>
-            <a:off x="450231" y="629962"/>
-            <a:ext cx="7562383" cy="1569660"/>
-          </a:xfrm>
-          <a:prstGeom prst="rect">
-            <a:avLst/>
-          </a:prstGeom>
-          <a:noFill/>
-        </p:spPr>
-        <p:txBody>
-          <a:bodyPr wrap="square">
-            <a:spAutoFit/>
-          </a:bodyPr>
-          <a:lstStyle/>
-          <a:p>
-            <a:r>
-              <a:rPr lang="en-GB" sz="9600" b="1" dirty="0">
-                <a:latin typeface="Rubik" pitchFamily="2" charset="-79"/>
-                <a:cs typeface="Rubik" pitchFamily="2" charset="-79"/>
-              </a:rPr>
-              <a:t>HIDE</a:t>
-            </a:r>
-            <a:r>
-              <a:rPr lang="en-GB" sz="9600" b="1" dirty="0">
-                <a:solidFill>
-                  <a:srgbClr val="FF0000"/>
-                </a:solidFill>
-                <a:latin typeface="Rubik" pitchFamily="2" charset="-79"/>
-                <a:cs typeface="Rubik" pitchFamily="2" charset="-79"/>
-              </a:rPr>
-              <a:t>+</a:t>
-            </a:r>
-            <a:r>
-              <a:rPr lang="en-GB" sz="9600" b="1" dirty="0">
-                <a:latin typeface="Rubik" pitchFamily="2" charset="-79"/>
-                <a:cs typeface="Rubik" pitchFamily="2" charset="-79"/>
-              </a:rPr>
-              <a:t>SEEK</a:t>
-            </a:r>
-            <a:endParaRPr lang="en-NL" dirty="0"/>
-          </a:p>
-        </p:txBody>
-      </p:sp>
+      <p:pic>
+        <p:nvPicPr>
+          <p:cNvPr id="3" name="Picture 2">
+            <a:extLst>
+              <a:ext uri="{FF2B5EF4-FFF2-40B4-BE49-F238E27FC236}">
+                <a16:creationId xmlns:a16="http://schemas.microsoft.com/office/drawing/2014/main" id="{7C8FDCBA-1103-7356-2A7D-55D87686A84E}"/>
+              </a:ext>
+            </a:extLst>
+          </p:cNvPr>
+          <p:cNvPicPr>
+            <a:picLocks noChangeAspect="1"/>
+          </p:cNvPicPr>
+          <p:nvPr/>
+        </p:nvPicPr>
+        <p:blipFill>
+          <a:blip r:embed="rId2"/>
+          <a:stretch>
+            <a:fillRect/>
+          </a:stretch>
+        </p:blipFill>
+        <p:spPr>
+          <a:xfrm>
+            <a:off x="159644" y="0"/>
+            <a:ext cx="9586711" cy="6858000"/>
+          </a:xfrm>
+          <a:prstGeom prst="rect">
+            <a:avLst/>
+          </a:prstGeom>
+        </p:spPr>
+      </p:pic>
     </p:spTree>
     <p:extLst>
       <p:ext uri="{BB962C8B-B14F-4D97-AF65-F5344CB8AC3E}">
